--- a/ALWIN ROSHAN I PPT .pptx.pptx
+++ b/ALWIN ROSHAN I PPT .pptx.pptx
@@ -1,39 +1,36 @@
 
 <file path=ppt/presentation.xml><?xml version="1.0" encoding="utf-8"?>
-<p:presentation xmlns:a="http://schemas.openxmlformats.org/drawingml/2006/main" xmlns:r="http://schemas.openxmlformats.org/officeDocument/2006/relationships" xmlns:p="http://schemas.openxmlformats.org/presentationml/2006/main" saveSubsetFonts="1" embedTrueTypeFonts="true">
+<p:presentation xmlns:a="http://schemas.openxmlformats.org/drawingml/2006/main" xmlns:r="http://schemas.openxmlformats.org/officeDocument/2006/relationships" xmlns:p="http://schemas.openxmlformats.org/presentationml/2006/main" embedTrueTypeFonts="1" saveSubsetFonts="1">
   <p:sldMasterIdLst>
     <p:sldMasterId id="2147483648" r:id="rId1"/>
   </p:sldMasterIdLst>
   <p:sldIdLst>
-    <p:sldId id="256" r:id="rId6"/>
-    <p:sldId id="257" r:id="rId7"/>
-    <p:sldId id="258" r:id="rId8"/>
-    <p:sldId id="259" r:id="rId9"/>
-    <p:sldId id="260" r:id="rId10"/>
-    <p:sldId id="261" r:id="rId11"/>
-    <p:sldId id="262" r:id="rId12"/>
-    <p:sldId id="263" r:id="rId13"/>
-    <p:sldId id="264" r:id="rId14"/>
-    <p:sldId id="265" r:id="rId15"/>
+    <p:sldId id="256" r:id="rId2"/>
+    <p:sldId id="257" r:id="rId3"/>
+    <p:sldId id="258" r:id="rId4"/>
+    <p:sldId id="259" r:id="rId5"/>
+    <p:sldId id="260" r:id="rId6"/>
+    <p:sldId id="261" r:id="rId7"/>
+    <p:sldId id="262" r:id="rId8"/>
+    <p:sldId id="263" r:id="rId9"/>
+    <p:sldId id="264" r:id="rId10"/>
+    <p:sldId id="265" r:id="rId11"/>
   </p:sldIdLst>
   <p:sldSz cx="18288000" cy="10287000"/>
   <p:notesSz cx="6858000" cy="9144000"/>
   <p:embeddedFontLst>
     <p:embeddedFont>
-      <p:font typeface="Arial Bold" charset="1" panose="020B0802020202020204"/>
-      <p:regular r:id="rId16"/>
+      <p:font typeface="Arial Bold"/>
+      <p:regular r:id="rId12"/>
+      <p:bold r:id="rId13"/>
     </p:embeddedFont>
     <p:embeddedFont>
-      <p:font typeface="ITC Franklin Gothic LT" charset="1" panose="020B0504030503020204"/>
-      <p:regular r:id="rId17"/>
+      <p:font typeface="ITC Franklin Gothic LT" panose="020B0604020202020204" charset="0"/>
+      <p:regular r:id="rId14"/>
     </p:embeddedFont>
     <p:embeddedFont>
-      <p:font typeface="Arial" charset="1" panose="020B0502020202020204"/>
-      <p:regular r:id="rId18"/>
-    </p:embeddedFont>
-    <p:embeddedFont>
-      <p:font typeface="ITC Franklin Gothic LT Semi-Bold" charset="1" panose="020B0704030502020204"/>
-      <p:regular r:id="rId19"/>
+      <p:font typeface="ITC Franklin Gothic LT Semi-Bold" panose="020B0604020202020204" charset="0"/>
+      <p:regular r:id="rId15"/>
     </p:embeddedFont>
   </p:embeddedFontLst>
   <p:defaultTextStyle>
@@ -131,6 +128,22 @@
       </a:defRPr>
     </a:lvl9pPr>
   </p:defaultTextStyle>
+  <p:extLst>
+    <p:ext uri="{EFAFB233-063F-42B5-8137-9DF3F51BA10A}">
+      <p15:sldGuideLst xmlns:p15="http://schemas.microsoft.com/office/powerpoint/2012/main">
+        <p15:guide id="1" orient="horz" pos="2160">
+          <p15:clr>
+            <a:srgbClr val="A4A3A4"/>
+          </p15:clr>
+        </p15:guide>
+        <p15:guide id="2" pos="2880">
+          <p15:clr>
+            <a:srgbClr val="A4A3A4"/>
+          </p15:clr>
+        </p15:guide>
+      </p15:sldGuideLst>
+    </p:ext>
+  </p:extLst>
 </p:presentation>
 </file>
 
@@ -172,10 +185,9 @@
           <a:lstStyle/>
           <a:p>
             <a:r>
-              <a:rPr lang="en-US" smtClean="0"/>
+              <a:rPr lang="en-US"/>
               <a:t>Click to edit Master title style</a:t>
             </a:r>
-            <a:endParaRPr lang="en-US"/>
           </a:p>
         </p:txBody>
       </p:sp>
@@ -291,10 +303,9 @@
           </a:lstStyle>
           <a:p>
             <a:r>
-              <a:rPr lang="en-US" smtClean="0"/>
+              <a:rPr lang="en-US"/>
               <a:t>Click to edit Master subtitle style</a:t>
             </a:r>
-            <a:endParaRPr lang="en-US"/>
           </a:p>
         </p:txBody>
       </p:sp>
@@ -316,7 +327,7 @@
             <a:fld id="{1D8BD707-D9CF-40AE-B4C6-C98DA3205C09}" type="datetimeFigureOut">
               <a:rPr lang="en-US" smtClean="0"/>
               <a:pPr/>
-              <a:t>8/1/2011</a:t>
+              <a:t>3/1/2025</a:t>
             </a:fld>
             <a:endParaRPr lang="en-US"/>
           </a:p>
@@ -406,10 +417,9 @@
           <a:lstStyle/>
           <a:p>
             <a:r>
-              <a:rPr lang="en-US" smtClean="0"/>
+              <a:rPr lang="en-US"/>
               <a:t>Click to edit Master title style</a:t>
             </a:r>
-            <a:endParaRPr lang="en-US"/>
           </a:p>
         </p:txBody>
       </p:sp>
@@ -430,38 +440,37 @@
           <a:p>
             <a:pPr lvl="0"/>
             <a:r>
-              <a:rPr lang="en-US" smtClean="0"/>
+              <a:rPr lang="en-US"/>
               <a:t>Click to edit Master text styles</a:t>
             </a:r>
           </a:p>
           <a:p>
             <a:pPr lvl="1"/>
             <a:r>
-              <a:rPr lang="en-US" smtClean="0"/>
+              <a:rPr lang="en-US"/>
               <a:t>Second level</a:t>
             </a:r>
           </a:p>
           <a:p>
             <a:pPr lvl="2"/>
             <a:r>
-              <a:rPr lang="en-US" smtClean="0"/>
+              <a:rPr lang="en-US"/>
               <a:t>Third level</a:t>
             </a:r>
           </a:p>
           <a:p>
             <a:pPr lvl="3"/>
             <a:r>
-              <a:rPr lang="en-US" smtClean="0"/>
+              <a:rPr lang="en-US"/>
               <a:t>Fourth level</a:t>
             </a:r>
           </a:p>
           <a:p>
             <a:pPr lvl="4"/>
             <a:r>
-              <a:rPr lang="en-US" smtClean="0"/>
+              <a:rPr lang="en-US"/>
               <a:t>Fifth level</a:t>
             </a:r>
-            <a:endParaRPr lang="en-US"/>
           </a:p>
         </p:txBody>
       </p:sp>
@@ -483,7 +492,7 @@
             <a:fld id="{1D8BD707-D9CF-40AE-B4C6-C98DA3205C09}" type="datetimeFigureOut">
               <a:rPr lang="en-US" smtClean="0"/>
               <a:pPr/>
-              <a:t>8/1/2011</a:t>
+              <a:t>3/1/2025</a:t>
             </a:fld>
             <a:endParaRPr lang="en-US"/>
           </a:p>
@@ -578,10 +587,9 @@
           <a:lstStyle/>
           <a:p>
             <a:r>
-              <a:rPr lang="en-US" smtClean="0"/>
+              <a:rPr lang="en-US"/>
               <a:t>Click to edit Master title style</a:t>
             </a:r>
-            <a:endParaRPr lang="en-US"/>
           </a:p>
         </p:txBody>
       </p:sp>
@@ -607,38 +615,37 @@
           <a:p>
             <a:pPr lvl="0"/>
             <a:r>
-              <a:rPr lang="en-US" smtClean="0"/>
+              <a:rPr lang="en-US"/>
               <a:t>Click to edit Master text styles</a:t>
             </a:r>
           </a:p>
           <a:p>
             <a:pPr lvl="1"/>
             <a:r>
-              <a:rPr lang="en-US" smtClean="0"/>
+              <a:rPr lang="en-US"/>
               <a:t>Second level</a:t>
             </a:r>
           </a:p>
           <a:p>
             <a:pPr lvl="2"/>
             <a:r>
-              <a:rPr lang="en-US" smtClean="0"/>
+              <a:rPr lang="en-US"/>
               <a:t>Third level</a:t>
             </a:r>
           </a:p>
           <a:p>
             <a:pPr lvl="3"/>
             <a:r>
-              <a:rPr lang="en-US" smtClean="0"/>
+              <a:rPr lang="en-US"/>
               <a:t>Fourth level</a:t>
             </a:r>
           </a:p>
           <a:p>
             <a:pPr lvl="4"/>
             <a:r>
-              <a:rPr lang="en-US" smtClean="0"/>
+              <a:rPr lang="en-US"/>
               <a:t>Fifth level</a:t>
             </a:r>
-            <a:endParaRPr lang="en-US"/>
           </a:p>
         </p:txBody>
       </p:sp>
@@ -660,7 +667,7 @@
             <a:fld id="{1D8BD707-D9CF-40AE-B4C6-C98DA3205C09}" type="datetimeFigureOut">
               <a:rPr lang="en-US" smtClean="0"/>
               <a:pPr/>
-              <a:t>8/1/2011</a:t>
+              <a:t>3/1/2025</a:t>
             </a:fld>
             <a:endParaRPr lang="en-US"/>
           </a:p>
@@ -750,10 +757,9 @@
           <a:lstStyle/>
           <a:p>
             <a:r>
-              <a:rPr lang="en-US" smtClean="0"/>
+              <a:rPr lang="en-US"/>
               <a:t>Click to edit Master title style</a:t>
             </a:r>
-            <a:endParaRPr lang="en-US"/>
           </a:p>
         </p:txBody>
       </p:sp>
@@ -774,38 +780,37 @@
           <a:p>
             <a:pPr lvl="0"/>
             <a:r>
-              <a:rPr lang="en-US" smtClean="0"/>
+              <a:rPr lang="en-US"/>
               <a:t>Click to edit Master text styles</a:t>
             </a:r>
           </a:p>
           <a:p>
             <a:pPr lvl="1"/>
             <a:r>
-              <a:rPr lang="en-US" smtClean="0"/>
+              <a:rPr lang="en-US"/>
               <a:t>Second level</a:t>
             </a:r>
           </a:p>
           <a:p>
             <a:pPr lvl="2"/>
             <a:r>
-              <a:rPr lang="en-US" smtClean="0"/>
+              <a:rPr lang="en-US"/>
               <a:t>Third level</a:t>
             </a:r>
           </a:p>
           <a:p>
             <a:pPr lvl="3"/>
             <a:r>
-              <a:rPr lang="en-US" smtClean="0"/>
+              <a:rPr lang="en-US"/>
               <a:t>Fourth level</a:t>
             </a:r>
           </a:p>
           <a:p>
             <a:pPr lvl="4"/>
             <a:r>
-              <a:rPr lang="en-US" smtClean="0"/>
+              <a:rPr lang="en-US"/>
               <a:t>Fifth level</a:t>
             </a:r>
-            <a:endParaRPr lang="en-US"/>
           </a:p>
         </p:txBody>
       </p:sp>
@@ -827,7 +832,7 @@
             <a:fld id="{1D8BD707-D9CF-40AE-B4C6-C98DA3205C09}" type="datetimeFigureOut">
               <a:rPr lang="en-US" smtClean="0"/>
               <a:pPr/>
-              <a:t>8/1/2011</a:t>
+              <a:t>3/1/2025</a:t>
             </a:fld>
             <a:endParaRPr lang="en-US"/>
           </a:p>
@@ -926,10 +931,9 @@
           </a:lstStyle>
           <a:p>
             <a:r>
-              <a:rPr lang="en-US" smtClean="0"/>
+              <a:rPr lang="en-US"/>
               <a:t>Click to edit Master title style</a:t>
             </a:r>
-            <a:endParaRPr lang="en-US"/>
           </a:p>
         </p:txBody>
       </p:sp>
@@ -1046,7 +1050,7 @@
           <a:p>
             <a:pPr lvl="0"/>
             <a:r>
-              <a:rPr lang="en-US" smtClean="0"/>
+              <a:rPr lang="en-US"/>
               <a:t>Click to edit Master text styles</a:t>
             </a:r>
           </a:p>
@@ -1070,7 +1074,7 @@
             <a:fld id="{1D8BD707-D9CF-40AE-B4C6-C98DA3205C09}" type="datetimeFigureOut">
               <a:rPr lang="en-US" smtClean="0"/>
               <a:pPr/>
-              <a:t>8/1/2011</a:t>
+              <a:t>3/1/2025</a:t>
             </a:fld>
             <a:endParaRPr lang="en-US"/>
           </a:p>
@@ -1160,10 +1164,9 @@
           <a:lstStyle/>
           <a:p>
             <a:r>
-              <a:rPr lang="en-US" smtClean="0"/>
+              <a:rPr lang="en-US"/>
               <a:t>Click to edit Master title style</a:t>
             </a:r>
-            <a:endParaRPr lang="en-US"/>
           </a:p>
         </p:txBody>
       </p:sp>
@@ -1217,38 +1220,37 @@
           <a:p>
             <a:pPr lvl="0"/>
             <a:r>
-              <a:rPr lang="en-US" smtClean="0"/>
+              <a:rPr lang="en-US"/>
               <a:t>Click to edit Master text styles</a:t>
             </a:r>
           </a:p>
           <a:p>
             <a:pPr lvl="1"/>
             <a:r>
-              <a:rPr lang="en-US" smtClean="0"/>
+              <a:rPr lang="en-US"/>
               <a:t>Second level</a:t>
             </a:r>
           </a:p>
           <a:p>
             <a:pPr lvl="2"/>
             <a:r>
-              <a:rPr lang="en-US" smtClean="0"/>
+              <a:rPr lang="en-US"/>
               <a:t>Third level</a:t>
             </a:r>
           </a:p>
           <a:p>
             <a:pPr lvl="3"/>
             <a:r>
-              <a:rPr lang="en-US" smtClean="0"/>
+              <a:rPr lang="en-US"/>
               <a:t>Fourth level</a:t>
             </a:r>
           </a:p>
           <a:p>
             <a:pPr lvl="4"/>
             <a:r>
-              <a:rPr lang="en-US" smtClean="0"/>
+              <a:rPr lang="en-US"/>
               <a:t>Fifth level</a:t>
             </a:r>
-            <a:endParaRPr lang="en-US"/>
           </a:p>
         </p:txBody>
       </p:sp>
@@ -1302,38 +1304,37 @@
           <a:p>
             <a:pPr lvl="0"/>
             <a:r>
-              <a:rPr lang="en-US" smtClean="0"/>
+              <a:rPr lang="en-US"/>
               <a:t>Click to edit Master text styles</a:t>
             </a:r>
           </a:p>
           <a:p>
             <a:pPr lvl="1"/>
             <a:r>
-              <a:rPr lang="en-US" smtClean="0"/>
+              <a:rPr lang="en-US"/>
               <a:t>Second level</a:t>
             </a:r>
           </a:p>
           <a:p>
             <a:pPr lvl="2"/>
             <a:r>
-              <a:rPr lang="en-US" smtClean="0"/>
+              <a:rPr lang="en-US"/>
               <a:t>Third level</a:t>
             </a:r>
           </a:p>
           <a:p>
             <a:pPr lvl="3"/>
             <a:r>
-              <a:rPr lang="en-US" smtClean="0"/>
+              <a:rPr lang="en-US"/>
               <a:t>Fourth level</a:t>
             </a:r>
           </a:p>
           <a:p>
             <a:pPr lvl="4"/>
             <a:r>
-              <a:rPr lang="en-US" smtClean="0"/>
+              <a:rPr lang="en-US"/>
               <a:t>Fifth level</a:t>
             </a:r>
-            <a:endParaRPr lang="en-US"/>
           </a:p>
         </p:txBody>
       </p:sp>
@@ -1355,7 +1356,7 @@
             <a:fld id="{1D8BD707-D9CF-40AE-B4C6-C98DA3205C09}" type="datetimeFigureOut">
               <a:rPr lang="en-US" smtClean="0"/>
               <a:pPr/>
-              <a:t>8/1/2011</a:t>
+              <a:t>3/1/2025</a:t>
             </a:fld>
             <a:endParaRPr lang="en-US"/>
           </a:p>
@@ -1449,10 +1450,9 @@
           </a:lstStyle>
           <a:p>
             <a:r>
-              <a:rPr lang="en-US" smtClean="0"/>
+              <a:rPr lang="en-US"/>
               <a:t>Click to edit Master title style</a:t>
             </a:r>
-            <a:endParaRPr lang="en-US"/>
           </a:p>
         </p:txBody>
       </p:sp>
@@ -1515,7 +1515,7 @@
           <a:p>
             <a:pPr lvl="0"/>
             <a:r>
-              <a:rPr lang="en-US" smtClean="0"/>
+              <a:rPr lang="en-US"/>
               <a:t>Click to edit Master text styles</a:t>
             </a:r>
           </a:p>
@@ -1571,38 +1571,37 @@
           <a:p>
             <a:pPr lvl="0"/>
             <a:r>
-              <a:rPr lang="en-US" smtClean="0"/>
+              <a:rPr lang="en-US"/>
               <a:t>Click to edit Master text styles</a:t>
             </a:r>
           </a:p>
           <a:p>
             <a:pPr lvl="1"/>
             <a:r>
-              <a:rPr lang="en-US" smtClean="0"/>
+              <a:rPr lang="en-US"/>
               <a:t>Second level</a:t>
             </a:r>
           </a:p>
           <a:p>
             <a:pPr lvl="2"/>
             <a:r>
-              <a:rPr lang="en-US" smtClean="0"/>
+              <a:rPr lang="en-US"/>
               <a:t>Third level</a:t>
             </a:r>
           </a:p>
           <a:p>
             <a:pPr lvl="3"/>
             <a:r>
-              <a:rPr lang="en-US" smtClean="0"/>
+              <a:rPr lang="en-US"/>
               <a:t>Fourth level</a:t>
             </a:r>
           </a:p>
           <a:p>
             <a:pPr lvl="4"/>
             <a:r>
-              <a:rPr lang="en-US" smtClean="0"/>
+              <a:rPr lang="en-US"/>
               <a:t>Fifth level</a:t>
             </a:r>
-            <a:endParaRPr lang="en-US"/>
           </a:p>
         </p:txBody>
       </p:sp>
@@ -1665,7 +1664,7 @@
           <a:p>
             <a:pPr lvl="0"/>
             <a:r>
-              <a:rPr lang="en-US" smtClean="0"/>
+              <a:rPr lang="en-US"/>
               <a:t>Click to edit Master text styles</a:t>
             </a:r>
           </a:p>
@@ -1721,38 +1720,37 @@
           <a:p>
             <a:pPr lvl="0"/>
             <a:r>
-              <a:rPr lang="en-US" smtClean="0"/>
+              <a:rPr lang="en-US"/>
               <a:t>Click to edit Master text styles</a:t>
             </a:r>
           </a:p>
           <a:p>
             <a:pPr lvl="1"/>
             <a:r>
-              <a:rPr lang="en-US" smtClean="0"/>
+              <a:rPr lang="en-US"/>
               <a:t>Second level</a:t>
             </a:r>
           </a:p>
           <a:p>
             <a:pPr lvl="2"/>
             <a:r>
-              <a:rPr lang="en-US" smtClean="0"/>
+              <a:rPr lang="en-US"/>
               <a:t>Third level</a:t>
             </a:r>
           </a:p>
           <a:p>
             <a:pPr lvl="3"/>
             <a:r>
-              <a:rPr lang="en-US" smtClean="0"/>
+              <a:rPr lang="en-US"/>
               <a:t>Fourth level</a:t>
             </a:r>
           </a:p>
           <a:p>
             <a:pPr lvl="4"/>
             <a:r>
-              <a:rPr lang="en-US" smtClean="0"/>
+              <a:rPr lang="en-US"/>
               <a:t>Fifth level</a:t>
             </a:r>
-            <a:endParaRPr lang="en-US"/>
           </a:p>
         </p:txBody>
       </p:sp>
@@ -1774,7 +1772,7 @@
             <a:fld id="{1D8BD707-D9CF-40AE-B4C6-C98DA3205C09}" type="datetimeFigureOut">
               <a:rPr lang="en-US" smtClean="0"/>
               <a:pPr/>
-              <a:t>8/1/2011</a:t>
+              <a:t>3/1/2025</a:t>
             </a:fld>
             <a:endParaRPr lang="en-US"/>
           </a:p>
@@ -1864,10 +1862,9 @@
           <a:lstStyle/>
           <a:p>
             <a:r>
-              <a:rPr lang="en-US" smtClean="0"/>
+              <a:rPr lang="en-US"/>
               <a:t>Click to edit Master title style</a:t>
             </a:r>
-            <a:endParaRPr lang="en-US"/>
           </a:p>
         </p:txBody>
       </p:sp>
@@ -1889,7 +1886,7 @@
             <a:fld id="{1D8BD707-D9CF-40AE-B4C6-C98DA3205C09}" type="datetimeFigureOut">
               <a:rPr lang="en-US" smtClean="0"/>
               <a:pPr/>
-              <a:t>8/1/2011</a:t>
+              <a:t>3/1/2025</a:t>
             </a:fld>
             <a:endParaRPr lang="en-US"/>
           </a:p>
@@ -1981,7 +1978,7 @@
             <a:fld id="{1D8BD707-D9CF-40AE-B4C6-C98DA3205C09}" type="datetimeFigureOut">
               <a:rPr lang="en-US" smtClean="0"/>
               <a:pPr/>
-              <a:t>8/1/2011</a:t>
+              <a:t>3/1/2025</a:t>
             </a:fld>
             <a:endParaRPr lang="en-US"/>
           </a:p>
@@ -2080,10 +2077,9 @@
           </a:lstStyle>
           <a:p>
             <a:r>
-              <a:rPr lang="en-US" smtClean="0"/>
+              <a:rPr lang="en-US"/>
               <a:t>Click to edit Master title style</a:t>
             </a:r>
-            <a:endParaRPr lang="en-US"/>
           </a:p>
         </p:txBody>
       </p:sp>
@@ -2137,38 +2133,37 @@
           <a:p>
             <a:pPr lvl="0"/>
             <a:r>
-              <a:rPr lang="en-US" smtClean="0"/>
+              <a:rPr lang="en-US"/>
               <a:t>Click to edit Master text styles</a:t>
             </a:r>
           </a:p>
           <a:p>
             <a:pPr lvl="1"/>
             <a:r>
-              <a:rPr lang="en-US" smtClean="0"/>
+              <a:rPr lang="en-US"/>
               <a:t>Second level</a:t>
             </a:r>
           </a:p>
           <a:p>
             <a:pPr lvl="2"/>
             <a:r>
-              <a:rPr lang="en-US" smtClean="0"/>
+              <a:rPr lang="en-US"/>
               <a:t>Third level</a:t>
             </a:r>
           </a:p>
           <a:p>
             <a:pPr lvl="3"/>
             <a:r>
-              <a:rPr lang="en-US" smtClean="0"/>
+              <a:rPr lang="en-US"/>
               <a:t>Fourth level</a:t>
             </a:r>
           </a:p>
           <a:p>
             <a:pPr lvl="4"/>
             <a:r>
-              <a:rPr lang="en-US" smtClean="0"/>
+              <a:rPr lang="en-US"/>
               <a:t>Fifth level</a:t>
             </a:r>
-            <a:endParaRPr lang="en-US"/>
           </a:p>
         </p:txBody>
       </p:sp>
@@ -2231,7 +2226,7 @@
           <a:p>
             <a:pPr lvl="0"/>
             <a:r>
-              <a:rPr lang="en-US" smtClean="0"/>
+              <a:rPr lang="en-US"/>
               <a:t>Click to edit Master text styles</a:t>
             </a:r>
           </a:p>
@@ -2255,7 +2250,7 @@
             <a:fld id="{1D8BD707-D9CF-40AE-B4C6-C98DA3205C09}" type="datetimeFigureOut">
               <a:rPr lang="en-US" smtClean="0"/>
               <a:pPr/>
-              <a:t>8/1/2011</a:t>
+              <a:t>3/1/2025</a:t>
             </a:fld>
             <a:endParaRPr lang="en-US"/>
           </a:p>
@@ -2354,10 +2349,9 @@
           </a:lstStyle>
           <a:p>
             <a:r>
-              <a:rPr lang="en-US" smtClean="0"/>
+              <a:rPr lang="en-US"/>
               <a:t>Click to edit Master title style</a:t>
             </a:r>
-            <a:endParaRPr lang="en-US"/>
           </a:p>
         </p:txBody>
       </p:sp>
@@ -2481,7 +2475,7 @@
           <a:p>
             <a:pPr lvl="0"/>
             <a:r>
-              <a:rPr lang="en-US" smtClean="0"/>
+              <a:rPr lang="en-US"/>
               <a:t>Click to edit Master text styles</a:t>
             </a:r>
           </a:p>
@@ -2505,7 +2499,7 @@
             <a:fld id="{1D8BD707-D9CF-40AE-B4C6-C98DA3205C09}" type="datetimeFigureOut">
               <a:rPr lang="en-US" smtClean="0"/>
               <a:pPr/>
-              <a:t>8/1/2011</a:t>
+              <a:t>3/1/2025</a:t>
             </a:fld>
             <a:endParaRPr lang="en-US"/>
           </a:p>
@@ -2610,10 +2604,9 @@
           <a:lstStyle/>
           <a:p>
             <a:r>
-              <a:rPr lang="en-US" smtClean="0"/>
+              <a:rPr lang="en-US"/>
               <a:t>Click to edit Master title style</a:t>
             </a:r>
-            <a:endParaRPr lang="en-US"/>
           </a:p>
         </p:txBody>
       </p:sp>
@@ -2644,38 +2637,37 @@
           <a:p>
             <a:pPr lvl="0"/>
             <a:r>
-              <a:rPr lang="en-US" smtClean="0"/>
+              <a:rPr lang="en-US"/>
               <a:t>Click to edit Master text styles</a:t>
             </a:r>
           </a:p>
           <a:p>
             <a:pPr lvl="1"/>
             <a:r>
-              <a:rPr lang="en-US" smtClean="0"/>
+              <a:rPr lang="en-US"/>
               <a:t>Second level</a:t>
             </a:r>
           </a:p>
           <a:p>
             <a:pPr lvl="2"/>
             <a:r>
-              <a:rPr lang="en-US" smtClean="0"/>
+              <a:rPr lang="en-US"/>
               <a:t>Third level</a:t>
             </a:r>
           </a:p>
           <a:p>
             <a:pPr lvl="3"/>
             <a:r>
-              <a:rPr lang="en-US" smtClean="0"/>
+              <a:rPr lang="en-US"/>
               <a:t>Fourth level</a:t>
             </a:r>
           </a:p>
           <a:p>
             <a:pPr lvl="4"/>
             <a:r>
-              <a:rPr lang="en-US" smtClean="0"/>
+              <a:rPr lang="en-US"/>
               <a:t>Fifth level</a:t>
             </a:r>
-            <a:endParaRPr lang="en-US"/>
           </a:p>
         </p:txBody>
       </p:sp>
@@ -2715,7 +2707,7 @@
             <a:fld id="{1D8BD707-D9CF-40AE-B4C6-C98DA3205C09}" type="datetimeFigureOut">
               <a:rPr lang="en-US" smtClean="0"/>
               <a:pPr/>
-              <a:t>8/1/2011</a:t>
+              <a:t>3/1/2025</a:t>
             </a:fld>
             <a:endParaRPr lang="en-US"/>
           </a:p>
@@ -3070,7 +3062,7 @@
 </file>
 
 <file path=ppt/slides/slide1.xml><?xml version="1.0" encoding="utf-8"?>
-<p:sld xmlns:p="http://schemas.openxmlformats.org/presentationml/2006/main" xmlns:a="http://schemas.openxmlformats.org/drawingml/2006/main" xmlns:r="http://schemas.openxmlformats.org/officeDocument/2006/relationships">
+<p:sld xmlns:a="http://schemas.openxmlformats.org/drawingml/2006/main" xmlns:r="http://schemas.openxmlformats.org/officeDocument/2006/relationships" xmlns:p="http://schemas.openxmlformats.org/presentationml/2006/main">
   <p:cSld>
     <p:spTree>
       <p:nvGrpSpPr>
@@ -3088,12 +3080,12 @@
       </p:grpSpPr>
       <p:grpSp>
         <p:nvGrpSpPr>
-          <p:cNvPr name="Group 2" id="2"/>
+          <p:cNvPr id="2" name="Group 2"/>
           <p:cNvGrpSpPr/>
           <p:nvPr/>
         </p:nvGrpSpPr>
         <p:grpSpPr>
-          <a:xfrm rot="0">
+          <a:xfrm>
             <a:off x="669801" y="685800"/>
             <a:ext cx="5554980" cy="142496"/>
             <a:chOff x="0" y="0"/>
@@ -3102,12 +3094,12 @@
         </p:grpSpPr>
         <p:sp>
           <p:nvSpPr>
-            <p:cNvPr name="Freeform 3" id="3"/>
+            <p:cNvPr id="3" name="Freeform 3"/>
             <p:cNvSpPr/>
             <p:nvPr/>
           </p:nvSpPr>
           <p:spPr>
-            <a:xfrm flipH="false" flipV="false" rot="0">
+            <a:xfrm>
               <a:off x="0" y="0"/>
               <a:ext cx="7406640" cy="189992"/>
             </a:xfrm>
@@ -3116,9 +3108,9 @@
               <a:gdLst/>
               <a:ahLst/>
               <a:cxnLst/>
-              <a:rect r="r" b="b" t="t" l="l"/>
+              <a:rect l="l" t="t" r="r" b="b"/>
               <a:pathLst>
-                <a:path h="189992" w="7406640">
+                <a:path w="7406640" h="189992">
                   <a:moveTo>
                     <a:pt x="0" y="0"/>
                   </a:moveTo>
@@ -3139,16 +3131,23 @@
               <a:srgbClr val="465359"/>
             </a:solidFill>
           </p:spPr>
+          <p:txBody>
+            <a:bodyPr/>
+            <a:lstStyle/>
+            <a:p>
+              <a:endParaRPr lang="en-US"/>
+            </a:p>
+          </p:txBody>
         </p:sp>
       </p:grpSp>
       <p:grpSp>
         <p:nvGrpSpPr>
-          <p:cNvPr name="Group 4" id="4"/>
+          <p:cNvPr id="4" name="Group 4"/>
           <p:cNvGrpSpPr/>
           <p:nvPr/>
         </p:nvGrpSpPr>
         <p:grpSpPr>
-          <a:xfrm rot="0">
+          <a:xfrm>
             <a:off x="12063220" y="680464"/>
             <a:ext cx="5554980" cy="147831"/>
             <a:chOff x="0" y="0"/>
@@ -3157,12 +3156,12 @@
         </p:grpSpPr>
         <p:sp>
           <p:nvSpPr>
-            <p:cNvPr name="Freeform 5" id="5"/>
+            <p:cNvPr id="5" name="Freeform 5"/>
             <p:cNvSpPr/>
             <p:nvPr/>
           </p:nvSpPr>
           <p:spPr>
-            <a:xfrm flipH="false" flipV="false" rot="0">
+            <a:xfrm>
               <a:off x="0" y="0"/>
               <a:ext cx="7406640" cy="197104"/>
             </a:xfrm>
@@ -3171,9 +3170,9 @@
               <a:gdLst/>
               <a:ahLst/>
               <a:cxnLst/>
-              <a:rect r="r" b="b" t="t" l="l"/>
+              <a:rect l="l" t="t" r="r" b="b"/>
               <a:pathLst>
-                <a:path h="197104" w="7406640">
+                <a:path w="7406640" h="197104">
                   <a:moveTo>
                     <a:pt x="0" y="0"/>
                   </a:moveTo>
@@ -3194,16 +3193,23 @@
               <a:srgbClr val="969FA7"/>
             </a:solidFill>
           </p:spPr>
+          <p:txBody>
+            <a:bodyPr/>
+            <a:lstStyle/>
+            <a:p>
+              <a:endParaRPr lang="en-US"/>
+            </a:p>
+          </p:txBody>
         </p:sp>
       </p:grpSp>
       <p:grpSp>
         <p:nvGrpSpPr>
-          <p:cNvPr name="Group 6" id="6"/>
+          <p:cNvPr id="6" name="Group 6"/>
           <p:cNvGrpSpPr/>
           <p:nvPr/>
         </p:nvGrpSpPr>
         <p:grpSpPr>
-          <a:xfrm rot="0">
+          <a:xfrm>
             <a:off x="6362745" y="685800"/>
             <a:ext cx="5554980" cy="137160"/>
             <a:chOff x="0" y="0"/>
@@ -3212,12 +3218,12 @@
         </p:grpSpPr>
         <p:sp>
           <p:nvSpPr>
-            <p:cNvPr name="Freeform 7" id="7"/>
+            <p:cNvPr id="7" name="Freeform 7"/>
             <p:cNvSpPr/>
             <p:nvPr/>
           </p:nvSpPr>
           <p:spPr>
-            <a:xfrm flipH="false" flipV="false" rot="0">
+            <a:xfrm>
               <a:off x="0" y="0"/>
               <a:ext cx="7406640" cy="182880"/>
             </a:xfrm>
@@ -3226,9 +3232,9 @@
               <a:gdLst/>
               <a:ahLst/>
               <a:cxnLst/>
-              <a:rect r="r" b="b" t="t" l="l"/>
+              <a:rect l="l" t="t" r="r" b="b"/>
               <a:pathLst>
-                <a:path h="182880" w="7406640">
+                <a:path w="7406640" h="182880">
                   <a:moveTo>
                     <a:pt x="0" y="0"/>
                   </a:moveTo>
@@ -3249,16 +3255,23 @@
               <a:srgbClr val="1CADE4"/>
             </a:solidFill>
           </p:spPr>
+          <p:txBody>
+            <a:bodyPr/>
+            <a:lstStyle/>
+            <a:p>
+              <a:endParaRPr lang="en-US"/>
+            </a:p>
+          </p:txBody>
         </p:sp>
       </p:grpSp>
       <p:sp>
         <p:nvSpPr>
-          <p:cNvPr name="Freeform 8" id="8" descr="Logo  Description automatically generated"/>
+          <p:cNvPr id="8" name="Freeform 8" descr="Logo  Description automatically generated"/>
           <p:cNvSpPr/>
           <p:nvPr/>
         </p:nvSpPr>
         <p:spPr>
-          <a:xfrm flipH="false" flipV="false" rot="0">
+          <a:xfrm>
             <a:off x="15727505" y="9656865"/>
             <a:ext cx="1688707" cy="547689"/>
           </a:xfrm>
@@ -3267,9 +3280,9 @@
             <a:gdLst/>
             <a:ahLst/>
             <a:cxnLst/>
-            <a:rect r="r" b="b" t="t" l="l"/>
+            <a:rect l="l" t="t" r="r" b="b"/>
             <a:pathLst>
-              <a:path h="547689" w="1688707">
+              <a:path w="1688707" h="547689">
                 <a:moveTo>
                   <a:pt x="0" y="0"/>
                 </a:moveTo>
@@ -3292,19 +3305,26 @@
           <a:blipFill>
             <a:blip r:embed="rId2"/>
             <a:stretch>
-              <a:fillRect l="0" t="-141" r="0" b="-141"/>
+              <a:fillRect t="-141" b="-141"/>
             </a:stretch>
           </a:blipFill>
         </p:spPr>
+        <p:txBody>
+          <a:bodyPr/>
+          <a:lstStyle/>
+          <a:p>
+            <a:endParaRPr lang="en-US"/>
+          </a:p>
+        </p:txBody>
       </p:sp>
       <p:grpSp>
         <p:nvGrpSpPr>
-          <p:cNvPr name="Group 9" id="9"/>
+          <p:cNvPr id="9" name="Group 9"/>
           <p:cNvGrpSpPr/>
           <p:nvPr/>
         </p:nvGrpSpPr>
         <p:grpSpPr>
-          <a:xfrm rot="0">
+          <a:xfrm>
             <a:off x="669801" y="4628646"/>
             <a:ext cx="16948398" cy="5007224"/>
             <a:chOff x="0" y="0"/>
@@ -3313,12 +3333,12 @@
         </p:grpSpPr>
         <p:sp>
           <p:nvSpPr>
-            <p:cNvPr name="Freeform 10" id="10"/>
+            <p:cNvPr id="10" name="Freeform 10"/>
             <p:cNvSpPr/>
             <p:nvPr/>
           </p:nvSpPr>
           <p:spPr>
-            <a:xfrm flipH="false" flipV="false" rot="0">
+            <a:xfrm>
               <a:off x="0" y="0"/>
               <a:ext cx="22597872" cy="6676263"/>
             </a:xfrm>
@@ -3327,9 +3347,9 @@
               <a:gdLst/>
               <a:ahLst/>
               <a:cxnLst/>
-              <a:rect r="r" b="b" t="t" l="l"/>
+              <a:rect l="l" t="t" r="r" b="b"/>
               <a:pathLst>
-                <a:path h="6676263" w="22597872">
+                <a:path w="22597872" h="6676263">
                   <a:moveTo>
                     <a:pt x="0" y="0"/>
                   </a:moveTo>
@@ -3350,16 +3370,23 @@
               <a:srgbClr val="1CADE4"/>
             </a:solidFill>
           </p:spPr>
+          <p:txBody>
+            <a:bodyPr/>
+            <a:lstStyle/>
+            <a:p>
+              <a:endParaRPr lang="en-US"/>
+            </a:p>
+          </p:txBody>
         </p:sp>
       </p:grpSp>
       <p:grpSp>
         <p:nvGrpSpPr>
-          <p:cNvPr name="Group 11" id="11"/>
+          <p:cNvPr id="11" name="Group 11"/>
           <p:cNvGrpSpPr/>
           <p:nvPr/>
         </p:nvGrpSpPr>
         <p:grpSpPr>
-          <a:xfrm rot="0">
+          <a:xfrm>
             <a:off x="2011504" y="2795312"/>
             <a:ext cx="13716000" cy="1466667"/>
             <a:chOff x="0" y="0"/>
@@ -3368,12 +3395,12 @@
         </p:grpSpPr>
         <p:sp>
           <p:nvSpPr>
-            <p:cNvPr name="Freeform 12" id="12"/>
+            <p:cNvPr id="12" name="Freeform 12"/>
             <p:cNvSpPr/>
             <p:nvPr/>
           </p:nvSpPr>
           <p:spPr>
-            <a:xfrm flipH="false" flipV="false" rot="0">
+            <a:xfrm>
               <a:off x="0" y="0"/>
               <a:ext cx="18288000" cy="1955556"/>
             </a:xfrm>
@@ -3382,9 +3409,9 @@
               <a:gdLst/>
               <a:ahLst/>
               <a:cxnLst/>
-              <a:rect r="r" b="b" t="t" l="l"/>
+              <a:rect l="l" t="t" r="r" b="b"/>
               <a:pathLst>
-                <a:path h="1955556" w="18288000">
+                <a:path w="18288000" h="1955556">
                   <a:moveTo>
                     <a:pt x="0" y="0"/>
                   </a:moveTo>
@@ -3407,11 +3434,18 @@
               </a:srgbClr>
             </a:solidFill>
           </p:spPr>
+          <p:txBody>
+            <a:bodyPr/>
+            <a:lstStyle/>
+            <a:p>
+              <a:endParaRPr lang="en-US"/>
+            </a:p>
+          </p:txBody>
         </p:sp>
         <p:sp>
           <p:nvSpPr>
-            <p:cNvPr name="TextBox 13" id="13"/>
-            <p:cNvSpPr txBox="true"/>
+            <p:cNvPr id="13" name="TextBox 13"/>
+            <p:cNvSpPr txBox="1"/>
             <p:nvPr/>
           </p:nvSpPr>
           <p:spPr>
@@ -3424,7 +3458,7 @@
             </a:prstGeom>
           </p:spPr>
           <p:txBody>
-            <a:bodyPr anchor="b" rtlCol="false" tIns="0" lIns="0" bIns="0" rIns="0"/>
+            <a:bodyPr lIns="0" tIns="0" rIns="0" bIns="0" rtlCol="0" anchor="b"/>
             <a:lstStyle/>
             <a:p>
               <a:pPr algn="ctr">
@@ -3433,7 +3467,7 @@
                 </a:lnSpc>
               </a:pPr>
               <a:r>
-                <a:rPr lang="en-US" sz="4859" b="true">
+                <a:rPr lang="en-US" sz="4859" b="1">
                   <a:solidFill>
                     <a:srgbClr val="1CADE4"/>
                   </a:solidFill>
@@ -3450,12 +3484,12 @@
       </p:grpSp>
       <p:grpSp>
         <p:nvGrpSpPr>
-          <p:cNvPr name="Group 14" id="14"/>
+          <p:cNvPr id="14" name="Group 14"/>
           <p:cNvGrpSpPr/>
           <p:nvPr/>
         </p:nvGrpSpPr>
         <p:grpSpPr>
-          <a:xfrm rot="0">
+          <a:xfrm>
             <a:off x="-494673" y="1551482"/>
             <a:ext cx="19089972" cy="877162"/>
             <a:chOff x="0" y="0"/>
@@ -3464,12 +3498,12 @@
         </p:grpSpPr>
         <p:sp>
           <p:nvSpPr>
-            <p:cNvPr name="Freeform 15" id="15"/>
+            <p:cNvPr id="15" name="Freeform 15"/>
             <p:cNvSpPr/>
             <p:nvPr/>
           </p:nvSpPr>
           <p:spPr>
-            <a:xfrm flipH="false" flipV="false" rot="0">
+            <a:xfrm>
               <a:off x="0" y="0"/>
               <a:ext cx="25453296" cy="1169550"/>
             </a:xfrm>
@@ -3478,9 +3512,9 @@
               <a:gdLst/>
               <a:ahLst/>
               <a:cxnLst/>
-              <a:rect r="r" b="b" t="t" l="l"/>
+              <a:rect l="l" t="t" r="r" b="b"/>
               <a:pathLst>
-                <a:path h="1169550" w="25453296">
+                <a:path w="25453296" h="1169550">
                   <a:moveTo>
                     <a:pt x="0" y="0"/>
                   </a:moveTo>
@@ -3503,11 +3537,18 @@
               </a:srgbClr>
             </a:solidFill>
           </p:spPr>
+          <p:txBody>
+            <a:bodyPr/>
+            <a:lstStyle/>
+            <a:p>
+              <a:endParaRPr lang="en-US"/>
+            </a:p>
+          </p:txBody>
         </p:sp>
         <p:sp>
           <p:nvSpPr>
-            <p:cNvPr name="TextBox 16" id="16"/>
-            <p:cNvSpPr txBox="true"/>
+            <p:cNvPr id="16" name="TextBox 16"/>
+            <p:cNvSpPr txBox="1"/>
             <p:nvPr/>
           </p:nvSpPr>
           <p:spPr>
@@ -3520,7 +3561,7 @@
             </a:prstGeom>
           </p:spPr>
           <p:txBody>
-            <a:bodyPr anchor="t" rtlCol="false" tIns="0" lIns="0" bIns="0" rIns="0"/>
+            <a:bodyPr lIns="0" tIns="0" rIns="0" bIns="0" rtlCol="0" anchor="t"/>
             <a:lstStyle/>
             <a:p>
               <a:pPr algn="ctr">
@@ -3529,7 +3570,7 @@
                 </a:lnSpc>
               </a:pPr>
               <a:r>
-                <a:rPr lang="en-US" sz="4800" b="true">
+                <a:rPr lang="en-US" sz="4800" b="1">
                   <a:solidFill>
                     <a:srgbClr val="1482AC"/>
                   </a:solidFill>
@@ -3546,12 +3587,12 @@
       </p:grpSp>
       <p:grpSp>
         <p:nvGrpSpPr>
-          <p:cNvPr name="Group 17" id="17"/>
+          <p:cNvPr id="17" name="Group 17"/>
           <p:cNvGrpSpPr/>
           <p:nvPr/>
         </p:nvGrpSpPr>
         <p:grpSpPr>
-          <a:xfrm rot="0">
+          <a:xfrm>
             <a:off x="1897768" y="5704580"/>
             <a:ext cx="15361532" cy="2446824"/>
             <a:chOff x="0" y="0"/>
@@ -3560,12 +3601,12 @@
         </p:grpSpPr>
         <p:sp>
           <p:nvSpPr>
-            <p:cNvPr name="Freeform 18" id="18"/>
+            <p:cNvPr id="18" name="Freeform 18"/>
             <p:cNvSpPr/>
             <p:nvPr/>
           </p:nvSpPr>
           <p:spPr>
-            <a:xfrm flipH="false" flipV="false" rot="0">
+            <a:xfrm>
               <a:off x="0" y="0"/>
               <a:ext cx="20482043" cy="3262432"/>
             </a:xfrm>
@@ -3574,9 +3615,9 @@
               <a:gdLst/>
               <a:ahLst/>
               <a:cxnLst/>
-              <a:rect r="r" b="b" t="t" l="l"/>
+              <a:rect l="l" t="t" r="r" b="b"/>
               <a:pathLst>
-                <a:path h="3262432" w="20482043">
+                <a:path w="20482043" h="3262432">
                   <a:moveTo>
                     <a:pt x="0" y="0"/>
                   </a:moveTo>
@@ -3599,11 +3640,18 @@
               </a:srgbClr>
             </a:solidFill>
           </p:spPr>
+          <p:txBody>
+            <a:bodyPr/>
+            <a:lstStyle/>
+            <a:p>
+              <a:endParaRPr lang="en-US"/>
+            </a:p>
+          </p:txBody>
         </p:sp>
         <p:sp>
           <p:nvSpPr>
-            <p:cNvPr name="TextBox 19" id="19"/>
-            <p:cNvSpPr txBox="true"/>
+            <p:cNvPr id="19" name="TextBox 19"/>
+            <p:cNvSpPr txBox="1"/>
             <p:nvPr/>
           </p:nvSpPr>
           <p:spPr>
@@ -3616,7 +3664,7 @@
             </a:prstGeom>
           </p:spPr>
           <p:txBody>
-            <a:bodyPr anchor="t" rtlCol="false" tIns="0" lIns="0" bIns="0" rIns="0"/>
+            <a:bodyPr lIns="0" tIns="0" rIns="0" bIns="0" rtlCol="0" anchor="t"/>
             <a:lstStyle/>
             <a:p>
               <a:pPr algn="l">
@@ -3625,7 +3673,7 @@
                 </a:lnSpc>
               </a:pPr>
               <a:r>
-                <a:rPr lang="en-US" sz="3000" b="true">
+                <a:rPr lang="en-US" sz="3000" b="1" dirty="0">
                   <a:solidFill>
                     <a:srgbClr val="000000"/>
                   </a:solidFill>
@@ -3644,7 +3692,7 @@
                 </a:lnSpc>
               </a:pPr>
               <a:r>
-                <a:rPr lang="en-US" sz="3000" b="true">
+                <a:rPr lang="en-US" sz="3000" b="1" dirty="0">
                   <a:solidFill>
                     <a:srgbClr val="000000"/>
                   </a:solidFill>
@@ -3663,7 +3711,7 @@
                 </a:lnSpc>
               </a:pPr>
               <a:r>
-                <a:rPr lang="en-US" sz="3000" b="true">
+                <a:rPr lang="en-US" sz="3000" b="1" dirty="0">
                   <a:solidFill>
                     <a:srgbClr val="000000"/>
                   </a:solidFill>
@@ -3682,7 +3730,7 @@
                 </a:lnSpc>
               </a:pPr>
               <a:r>
-                <a:rPr lang="en-US" sz="3000" b="true">
+                <a:rPr lang="en-US" sz="3000" b="1" dirty="0">
                   <a:solidFill>
                     <a:srgbClr val="000000"/>
                   </a:solidFill>
@@ -3691,7 +3739,7 @@
                   <a:cs typeface="Arial Bold"/>
                   <a:sym typeface="Arial Bold"/>
                 </a:rPr>
-                <a:t>      B.E. Computer &amp; Communication Engineering</a:t>
+                <a:t>          B.E. Computer &amp; Communication Engineering</a:t>
               </a:r>
             </a:p>
             <a:p>
@@ -3700,6 +3748,15 @@
                   <a:spcPts val="3600"/>
                 </a:lnSpc>
               </a:pPr>
+              <a:endParaRPr lang="en-US" sz="3000" b="1" dirty="0">
+                <a:solidFill>
+                  <a:srgbClr val="000000"/>
+                </a:solidFill>
+                <a:latin typeface="Arial Bold"/>
+                <a:ea typeface="Arial Bold"/>
+                <a:cs typeface="Arial Bold"/>
+                <a:sym typeface="Arial Bold"/>
+              </a:endParaRPr>
             </a:p>
           </p:txBody>
         </p:sp>
@@ -3713,7 +3770,7 @@
 </file>
 
 <file path=ppt/slides/slide10.xml><?xml version="1.0" encoding="utf-8"?>
-<p:sld xmlns:p="http://schemas.openxmlformats.org/presentationml/2006/main" xmlns:a="http://schemas.openxmlformats.org/drawingml/2006/main" xmlns:r="http://schemas.openxmlformats.org/officeDocument/2006/relationships">
+<p:sld xmlns:a="http://schemas.openxmlformats.org/drawingml/2006/main" xmlns:r="http://schemas.openxmlformats.org/officeDocument/2006/relationships" xmlns:p="http://schemas.openxmlformats.org/presentationml/2006/main">
   <p:cSld>
     <p:spTree>
       <p:nvGrpSpPr>
@@ -3731,12 +3788,12 @@
       </p:grpSpPr>
       <p:grpSp>
         <p:nvGrpSpPr>
-          <p:cNvPr name="Group 2" id="2"/>
+          <p:cNvPr id="2" name="Group 2"/>
           <p:cNvGrpSpPr/>
           <p:nvPr/>
         </p:nvGrpSpPr>
         <p:grpSpPr>
-          <a:xfrm rot="0">
+          <a:xfrm>
             <a:off x="669801" y="685800"/>
             <a:ext cx="5554980" cy="142496"/>
             <a:chOff x="0" y="0"/>
@@ -3745,12 +3802,12 @@
         </p:grpSpPr>
         <p:sp>
           <p:nvSpPr>
-            <p:cNvPr name="Freeform 3" id="3"/>
+            <p:cNvPr id="3" name="Freeform 3"/>
             <p:cNvSpPr/>
             <p:nvPr/>
           </p:nvSpPr>
           <p:spPr>
-            <a:xfrm flipH="false" flipV="false" rot="0">
+            <a:xfrm>
               <a:off x="0" y="0"/>
               <a:ext cx="7406640" cy="189992"/>
             </a:xfrm>
@@ -3759,9 +3816,9 @@
               <a:gdLst/>
               <a:ahLst/>
               <a:cxnLst/>
-              <a:rect r="r" b="b" t="t" l="l"/>
+              <a:rect l="l" t="t" r="r" b="b"/>
               <a:pathLst>
-                <a:path h="189992" w="7406640">
+                <a:path w="7406640" h="189992">
                   <a:moveTo>
                     <a:pt x="0" y="0"/>
                   </a:moveTo>
@@ -3782,16 +3839,23 @@
               <a:srgbClr val="465359"/>
             </a:solidFill>
           </p:spPr>
+          <p:txBody>
+            <a:bodyPr/>
+            <a:lstStyle/>
+            <a:p>
+              <a:endParaRPr lang="en-US"/>
+            </a:p>
+          </p:txBody>
         </p:sp>
       </p:grpSp>
       <p:grpSp>
         <p:nvGrpSpPr>
-          <p:cNvPr name="Group 4" id="4"/>
+          <p:cNvPr id="4" name="Group 4"/>
           <p:cNvGrpSpPr/>
           <p:nvPr/>
         </p:nvGrpSpPr>
         <p:grpSpPr>
-          <a:xfrm rot="0">
+          <a:xfrm>
             <a:off x="12063220" y="680464"/>
             <a:ext cx="5554980" cy="147831"/>
             <a:chOff x="0" y="0"/>
@@ -3800,12 +3864,12 @@
         </p:grpSpPr>
         <p:sp>
           <p:nvSpPr>
-            <p:cNvPr name="Freeform 5" id="5"/>
+            <p:cNvPr id="5" name="Freeform 5"/>
             <p:cNvSpPr/>
             <p:nvPr/>
           </p:nvSpPr>
           <p:spPr>
-            <a:xfrm flipH="false" flipV="false" rot="0">
+            <a:xfrm>
               <a:off x="0" y="0"/>
               <a:ext cx="7406640" cy="197104"/>
             </a:xfrm>
@@ -3814,9 +3878,9 @@
               <a:gdLst/>
               <a:ahLst/>
               <a:cxnLst/>
-              <a:rect r="r" b="b" t="t" l="l"/>
+              <a:rect l="l" t="t" r="r" b="b"/>
               <a:pathLst>
-                <a:path h="197104" w="7406640">
+                <a:path w="7406640" h="197104">
                   <a:moveTo>
                     <a:pt x="0" y="0"/>
                   </a:moveTo>
@@ -3837,16 +3901,23 @@
               <a:srgbClr val="969FA7"/>
             </a:solidFill>
           </p:spPr>
+          <p:txBody>
+            <a:bodyPr/>
+            <a:lstStyle/>
+            <a:p>
+              <a:endParaRPr lang="en-US"/>
+            </a:p>
+          </p:txBody>
         </p:sp>
       </p:grpSp>
       <p:grpSp>
         <p:nvGrpSpPr>
-          <p:cNvPr name="Group 6" id="6"/>
+          <p:cNvPr id="6" name="Group 6"/>
           <p:cNvGrpSpPr/>
           <p:nvPr/>
         </p:nvGrpSpPr>
         <p:grpSpPr>
-          <a:xfrm rot="0">
+          <a:xfrm>
             <a:off x="6362745" y="685800"/>
             <a:ext cx="5554980" cy="137160"/>
             <a:chOff x="0" y="0"/>
@@ -3855,12 +3926,12 @@
         </p:grpSpPr>
         <p:sp>
           <p:nvSpPr>
-            <p:cNvPr name="Freeform 7" id="7"/>
+            <p:cNvPr id="7" name="Freeform 7"/>
             <p:cNvSpPr/>
             <p:nvPr/>
           </p:nvSpPr>
           <p:spPr>
-            <a:xfrm flipH="false" flipV="false" rot="0">
+            <a:xfrm>
               <a:off x="0" y="0"/>
               <a:ext cx="7406640" cy="182880"/>
             </a:xfrm>
@@ -3869,9 +3940,9 @@
               <a:gdLst/>
               <a:ahLst/>
               <a:cxnLst/>
-              <a:rect r="r" b="b" t="t" l="l"/>
+              <a:rect l="l" t="t" r="r" b="b"/>
               <a:pathLst>
-                <a:path h="182880" w="7406640">
+                <a:path w="7406640" h="182880">
                   <a:moveTo>
                     <a:pt x="0" y="0"/>
                   </a:moveTo>
@@ -3892,16 +3963,23 @@
               <a:srgbClr val="1CADE4"/>
             </a:solidFill>
           </p:spPr>
+          <p:txBody>
+            <a:bodyPr/>
+            <a:lstStyle/>
+            <a:p>
+              <a:endParaRPr lang="en-US"/>
+            </a:p>
+          </p:txBody>
         </p:sp>
       </p:grpSp>
       <p:sp>
         <p:nvSpPr>
-          <p:cNvPr name="Freeform 8" id="8" descr="Logo  Description automatically generated"/>
+          <p:cNvPr id="8" name="Freeform 8" descr="Logo  Description automatically generated"/>
           <p:cNvSpPr/>
           <p:nvPr/>
         </p:nvSpPr>
         <p:spPr>
-          <a:xfrm flipH="false" flipV="false" rot="0">
+          <a:xfrm>
             <a:off x="15727505" y="9656865"/>
             <a:ext cx="1688707" cy="547689"/>
           </a:xfrm>
@@ -3910,9 +3988,9 @@
             <a:gdLst/>
             <a:ahLst/>
             <a:cxnLst/>
-            <a:rect r="r" b="b" t="t" l="l"/>
+            <a:rect l="l" t="t" r="r" b="b"/>
             <a:pathLst>
-              <a:path h="547689" w="1688707">
+              <a:path w="1688707" h="547689">
                 <a:moveTo>
                   <a:pt x="0" y="0"/>
                 </a:moveTo>
@@ -3935,19 +4013,26 @@
           <a:blipFill>
             <a:blip r:embed="rId2"/>
             <a:stretch>
-              <a:fillRect l="0" t="-141" r="0" b="-141"/>
+              <a:fillRect t="-141" b="-141"/>
             </a:stretch>
           </a:blipFill>
         </p:spPr>
+        <p:txBody>
+          <a:bodyPr/>
+          <a:lstStyle/>
+          <a:p>
+            <a:endParaRPr lang="en-US"/>
+          </a:p>
+        </p:txBody>
       </p:sp>
       <p:grpSp>
         <p:nvGrpSpPr>
-          <p:cNvPr name="Group 9" id="9"/>
+          <p:cNvPr id="9" name="Group 9"/>
           <p:cNvGrpSpPr/>
           <p:nvPr/>
         </p:nvGrpSpPr>
         <p:grpSpPr>
-          <a:xfrm rot="0">
+          <a:xfrm>
             <a:off x="2194562" y="4149327"/>
             <a:ext cx="13948116" cy="1988344"/>
             <a:chOff x="0" y="0"/>
@@ -3956,12 +4041,12 @@
         </p:grpSpPr>
         <p:sp>
           <p:nvSpPr>
-            <p:cNvPr name="Freeform 10" id="10"/>
+            <p:cNvPr id="10" name="Freeform 10"/>
             <p:cNvSpPr/>
             <p:nvPr/>
           </p:nvSpPr>
           <p:spPr>
-            <a:xfrm flipH="false" flipV="false" rot="0">
+            <a:xfrm>
               <a:off x="0" y="0"/>
               <a:ext cx="18597488" cy="2651126"/>
             </a:xfrm>
@@ -3970,9 +4055,9 @@
               <a:gdLst/>
               <a:ahLst/>
               <a:cxnLst/>
-              <a:rect r="r" b="b" t="t" l="l"/>
+              <a:rect l="l" t="t" r="r" b="b"/>
               <a:pathLst>
-                <a:path h="2651126" w="18597488">
+                <a:path w="18597488" h="2651126">
                   <a:moveTo>
                     <a:pt x="0" y="0"/>
                   </a:moveTo>
@@ -3995,11 +4080,18 @@
               </a:srgbClr>
             </a:solidFill>
           </p:spPr>
+          <p:txBody>
+            <a:bodyPr/>
+            <a:lstStyle/>
+            <a:p>
+              <a:endParaRPr lang="en-US"/>
+            </a:p>
+          </p:txBody>
         </p:sp>
         <p:sp>
           <p:nvSpPr>
-            <p:cNvPr name="TextBox 11" id="11"/>
-            <p:cNvSpPr txBox="true"/>
+            <p:cNvPr id="11" name="TextBox 11"/>
+            <p:cNvSpPr txBox="1"/>
             <p:nvPr/>
           </p:nvSpPr>
           <p:spPr>
@@ -4012,7 +4104,7 @@
             </a:prstGeom>
           </p:spPr>
           <p:txBody>
-            <a:bodyPr anchor="b" rtlCol="false" tIns="0" lIns="0" bIns="0" rIns="0"/>
+            <a:bodyPr lIns="0" tIns="0" rIns="0" bIns="0" rtlCol="0" anchor="b"/>
             <a:lstStyle/>
             <a:p>
               <a:pPr algn="ctr">
@@ -4021,7 +4113,7 @@
                 </a:lnSpc>
               </a:pPr>
               <a:r>
-                <a:rPr lang="en-US" sz="4200" b="true">
+                <a:rPr lang="en-US" sz="4200" b="1">
                   <a:solidFill>
                     <a:srgbClr val="002060"/>
                   </a:solidFill>
@@ -4045,7 +4137,7 @@
 </file>
 
 <file path=ppt/slides/slide2.xml><?xml version="1.0" encoding="utf-8"?>
-<p:sld xmlns:p="http://schemas.openxmlformats.org/presentationml/2006/main" xmlns:a="http://schemas.openxmlformats.org/drawingml/2006/main" xmlns:r="http://schemas.openxmlformats.org/officeDocument/2006/relationships">
+<p:sld xmlns:a="http://schemas.openxmlformats.org/drawingml/2006/main" xmlns:r="http://schemas.openxmlformats.org/officeDocument/2006/relationships" xmlns:p="http://schemas.openxmlformats.org/presentationml/2006/main">
   <p:cSld>
     <p:spTree>
       <p:nvGrpSpPr>
@@ -4063,12 +4155,12 @@
       </p:grpSpPr>
       <p:grpSp>
         <p:nvGrpSpPr>
-          <p:cNvPr name="Group 2" id="2"/>
+          <p:cNvPr id="2" name="Group 2"/>
           <p:cNvGrpSpPr/>
           <p:nvPr/>
         </p:nvGrpSpPr>
         <p:grpSpPr>
-          <a:xfrm rot="0">
+          <a:xfrm>
             <a:off x="669801" y="685800"/>
             <a:ext cx="5554980" cy="142496"/>
             <a:chOff x="0" y="0"/>
@@ -4077,12 +4169,12 @@
         </p:grpSpPr>
         <p:sp>
           <p:nvSpPr>
-            <p:cNvPr name="Freeform 3" id="3"/>
+            <p:cNvPr id="3" name="Freeform 3"/>
             <p:cNvSpPr/>
             <p:nvPr/>
           </p:nvSpPr>
           <p:spPr>
-            <a:xfrm flipH="false" flipV="false" rot="0">
+            <a:xfrm>
               <a:off x="0" y="0"/>
               <a:ext cx="7406640" cy="189992"/>
             </a:xfrm>
@@ -4091,9 +4183,9 @@
               <a:gdLst/>
               <a:ahLst/>
               <a:cxnLst/>
-              <a:rect r="r" b="b" t="t" l="l"/>
+              <a:rect l="l" t="t" r="r" b="b"/>
               <a:pathLst>
-                <a:path h="189992" w="7406640">
+                <a:path w="7406640" h="189992">
                   <a:moveTo>
                     <a:pt x="0" y="0"/>
                   </a:moveTo>
@@ -4114,16 +4206,23 @@
               <a:srgbClr val="465359"/>
             </a:solidFill>
           </p:spPr>
+          <p:txBody>
+            <a:bodyPr/>
+            <a:lstStyle/>
+            <a:p>
+              <a:endParaRPr lang="en-US"/>
+            </a:p>
+          </p:txBody>
         </p:sp>
       </p:grpSp>
       <p:grpSp>
         <p:nvGrpSpPr>
-          <p:cNvPr name="Group 4" id="4"/>
+          <p:cNvPr id="4" name="Group 4"/>
           <p:cNvGrpSpPr/>
           <p:nvPr/>
         </p:nvGrpSpPr>
         <p:grpSpPr>
-          <a:xfrm rot="0">
+          <a:xfrm>
             <a:off x="12063220" y="680464"/>
             <a:ext cx="5554980" cy="147831"/>
             <a:chOff x="0" y="0"/>
@@ -4132,12 +4231,12 @@
         </p:grpSpPr>
         <p:sp>
           <p:nvSpPr>
-            <p:cNvPr name="Freeform 5" id="5"/>
+            <p:cNvPr id="5" name="Freeform 5"/>
             <p:cNvSpPr/>
             <p:nvPr/>
           </p:nvSpPr>
           <p:spPr>
-            <a:xfrm flipH="false" flipV="false" rot="0">
+            <a:xfrm>
               <a:off x="0" y="0"/>
               <a:ext cx="7406640" cy="197104"/>
             </a:xfrm>
@@ -4146,9 +4245,9 @@
               <a:gdLst/>
               <a:ahLst/>
               <a:cxnLst/>
-              <a:rect r="r" b="b" t="t" l="l"/>
+              <a:rect l="l" t="t" r="r" b="b"/>
               <a:pathLst>
-                <a:path h="197104" w="7406640">
+                <a:path w="7406640" h="197104">
                   <a:moveTo>
                     <a:pt x="0" y="0"/>
                   </a:moveTo>
@@ -4169,16 +4268,23 @@
               <a:srgbClr val="969FA7"/>
             </a:solidFill>
           </p:spPr>
+          <p:txBody>
+            <a:bodyPr/>
+            <a:lstStyle/>
+            <a:p>
+              <a:endParaRPr lang="en-US"/>
+            </a:p>
+          </p:txBody>
         </p:sp>
       </p:grpSp>
       <p:grpSp>
         <p:nvGrpSpPr>
-          <p:cNvPr name="Group 6" id="6"/>
+          <p:cNvPr id="6" name="Group 6"/>
           <p:cNvGrpSpPr/>
           <p:nvPr/>
         </p:nvGrpSpPr>
         <p:grpSpPr>
-          <a:xfrm rot="0">
+          <a:xfrm>
             <a:off x="6362745" y="685800"/>
             <a:ext cx="5554980" cy="137160"/>
             <a:chOff x="0" y="0"/>
@@ -4187,12 +4293,12 @@
         </p:grpSpPr>
         <p:sp>
           <p:nvSpPr>
-            <p:cNvPr name="Freeform 7" id="7"/>
+            <p:cNvPr id="7" name="Freeform 7"/>
             <p:cNvSpPr/>
             <p:nvPr/>
           </p:nvSpPr>
           <p:spPr>
-            <a:xfrm flipH="false" flipV="false" rot="0">
+            <a:xfrm>
               <a:off x="0" y="0"/>
               <a:ext cx="7406640" cy="182880"/>
             </a:xfrm>
@@ -4201,9 +4307,9 @@
               <a:gdLst/>
               <a:ahLst/>
               <a:cxnLst/>
-              <a:rect r="r" b="b" t="t" l="l"/>
+              <a:rect l="l" t="t" r="r" b="b"/>
               <a:pathLst>
-                <a:path h="182880" w="7406640">
+                <a:path w="7406640" h="182880">
                   <a:moveTo>
                     <a:pt x="0" y="0"/>
                   </a:moveTo>
@@ -4224,16 +4330,23 @@
               <a:srgbClr val="1CADE4"/>
             </a:solidFill>
           </p:spPr>
+          <p:txBody>
+            <a:bodyPr/>
+            <a:lstStyle/>
+            <a:p>
+              <a:endParaRPr lang="en-US"/>
+            </a:p>
+          </p:txBody>
         </p:sp>
       </p:grpSp>
       <p:sp>
         <p:nvSpPr>
-          <p:cNvPr name="Freeform 8" id="8" descr="Logo  Description automatically generated"/>
+          <p:cNvPr id="8" name="Freeform 8" descr="Logo  Description automatically generated"/>
           <p:cNvSpPr/>
           <p:nvPr/>
         </p:nvSpPr>
         <p:spPr>
-          <a:xfrm flipH="false" flipV="false" rot="0">
+          <a:xfrm>
             <a:off x="15727505" y="9656865"/>
             <a:ext cx="1688707" cy="547689"/>
           </a:xfrm>
@@ -4242,9 +4355,9 @@
             <a:gdLst/>
             <a:ahLst/>
             <a:cxnLst/>
-            <a:rect r="r" b="b" t="t" l="l"/>
+            <a:rect l="l" t="t" r="r" b="b"/>
             <a:pathLst>
-              <a:path h="547689" w="1688707">
+              <a:path w="1688707" h="547689">
                 <a:moveTo>
                   <a:pt x="0" y="0"/>
                 </a:moveTo>
@@ -4267,19 +4380,26 @@
           <a:blipFill>
             <a:blip r:embed="rId2"/>
             <a:stretch>
-              <a:fillRect l="0" t="-141" r="0" b="-141"/>
+              <a:fillRect t="-141" b="-141"/>
             </a:stretch>
           </a:blipFill>
         </p:spPr>
+        <p:txBody>
+          <a:bodyPr/>
+          <a:lstStyle/>
+          <a:p>
+            <a:endParaRPr lang="en-US"/>
+          </a:p>
+        </p:txBody>
       </p:sp>
       <p:grpSp>
         <p:nvGrpSpPr>
-          <p:cNvPr name="Group 9" id="9"/>
+          <p:cNvPr id="9" name="Group 9"/>
           <p:cNvGrpSpPr/>
           <p:nvPr/>
         </p:nvGrpSpPr>
         <p:grpSpPr>
-          <a:xfrm rot="0">
+          <a:xfrm>
             <a:off x="1257300" y="440063"/>
             <a:ext cx="15773400" cy="1988345"/>
             <a:chOff x="0" y="0"/>
@@ -4288,12 +4408,12 @@
         </p:grpSpPr>
         <p:sp>
           <p:nvSpPr>
-            <p:cNvPr name="Freeform 10" id="10"/>
+            <p:cNvPr id="10" name="Freeform 10"/>
             <p:cNvSpPr/>
             <p:nvPr/>
           </p:nvSpPr>
           <p:spPr>
-            <a:xfrm flipH="false" flipV="false" rot="0">
+            <a:xfrm>
               <a:off x="0" y="0"/>
               <a:ext cx="21031200" cy="2651126"/>
             </a:xfrm>
@@ -4302,9 +4422,9 @@
               <a:gdLst/>
               <a:ahLst/>
               <a:cxnLst/>
-              <a:rect r="r" b="b" t="t" l="l"/>
+              <a:rect l="l" t="t" r="r" b="b"/>
               <a:pathLst>
-                <a:path h="2651126" w="21031200">
+                <a:path w="21031200" h="2651126">
                   <a:moveTo>
                     <a:pt x="0" y="0"/>
                   </a:moveTo>
@@ -4327,11 +4447,18 @@
               </a:srgbClr>
             </a:solidFill>
           </p:spPr>
+          <p:txBody>
+            <a:bodyPr/>
+            <a:lstStyle/>
+            <a:p>
+              <a:endParaRPr lang="en-US"/>
+            </a:p>
+          </p:txBody>
         </p:sp>
         <p:sp>
           <p:nvSpPr>
-            <p:cNvPr name="TextBox 11" id="11"/>
-            <p:cNvSpPr txBox="true"/>
+            <p:cNvPr id="11" name="TextBox 11"/>
+            <p:cNvSpPr txBox="1"/>
             <p:nvPr/>
           </p:nvSpPr>
           <p:spPr>
@@ -4344,7 +4471,7 @@
             </a:prstGeom>
           </p:spPr>
           <p:txBody>
-            <a:bodyPr anchor="b" rtlCol="false" tIns="0" lIns="0" bIns="0" rIns="0"/>
+            <a:bodyPr lIns="0" tIns="0" rIns="0" bIns="0" rtlCol="0" anchor="b"/>
             <a:lstStyle/>
             <a:p>
               <a:pPr algn="ctr">
@@ -4353,7 +4480,7 @@
                 </a:lnSpc>
               </a:pPr>
               <a:r>
-                <a:rPr lang="en-US" sz="4200" b="true">
+                <a:rPr lang="en-US" sz="4200" b="1">
                   <a:solidFill>
                     <a:srgbClr val="002060"/>
                   </a:solidFill>
@@ -4370,12 +4497,12 @@
       </p:grpSp>
       <p:grpSp>
         <p:nvGrpSpPr>
-          <p:cNvPr name="Group 12" id="12"/>
+          <p:cNvPr id="12" name="Group 12"/>
           <p:cNvGrpSpPr/>
           <p:nvPr/>
         </p:nvGrpSpPr>
         <p:grpSpPr>
-          <a:xfrm rot="0">
+          <a:xfrm>
             <a:off x="1028700" y="2345961"/>
             <a:ext cx="16528530" cy="7858593"/>
             <a:chOff x="0" y="0"/>
@@ -4384,12 +4511,12 @@
         </p:grpSpPr>
         <p:sp>
           <p:nvSpPr>
-            <p:cNvPr name="Freeform 13" id="13"/>
+            <p:cNvPr id="13" name="Freeform 13"/>
             <p:cNvSpPr/>
             <p:nvPr/>
           </p:nvSpPr>
           <p:spPr>
-            <a:xfrm flipH="false" flipV="false" rot="0">
+            <a:xfrm>
               <a:off x="0" y="0"/>
               <a:ext cx="22038041" cy="10478124"/>
             </a:xfrm>
@@ -4398,9 +4525,9 @@
               <a:gdLst/>
               <a:ahLst/>
               <a:cxnLst/>
-              <a:rect r="r" b="b" t="t" l="l"/>
+              <a:rect l="l" t="t" r="r" b="b"/>
               <a:pathLst>
-                <a:path h="10478124" w="22038041">
+                <a:path w="22038041" h="10478124">
                   <a:moveTo>
                     <a:pt x="0" y="0"/>
                   </a:moveTo>
@@ -4423,11 +4550,18 @@
               </a:srgbClr>
             </a:solidFill>
           </p:spPr>
+          <p:txBody>
+            <a:bodyPr/>
+            <a:lstStyle/>
+            <a:p>
+              <a:endParaRPr lang="en-US"/>
+            </a:p>
+          </p:txBody>
         </p:sp>
         <p:sp>
           <p:nvSpPr>
-            <p:cNvPr name="TextBox 14" id="14"/>
-            <p:cNvSpPr txBox="true"/>
+            <p:cNvPr id="14" name="TextBox 14"/>
+            <p:cNvSpPr txBox="1"/>
             <p:nvPr/>
           </p:nvSpPr>
           <p:spPr>
@@ -4440,7 +4574,7 @@
             </a:prstGeom>
           </p:spPr>
           <p:txBody>
-            <a:bodyPr anchor="t" rtlCol="false" tIns="0" lIns="0" bIns="0" rIns="0"/>
+            <a:bodyPr lIns="0" tIns="0" rIns="0" bIns="0" rtlCol="0" anchor="t"/>
             <a:lstStyle/>
             <a:p>
               <a:pPr algn="l">
@@ -4449,7 +4583,7 @@
                 </a:lnSpc>
               </a:pPr>
               <a:r>
-                <a:rPr lang="en-US" sz="3899" b="true">
+                <a:rPr lang="en-US" sz="3899" b="1">
                   <a:solidFill>
                     <a:srgbClr val="404040"/>
                   </a:solidFill>
@@ -4462,7 +4596,7 @@
               </a:r>
             </a:p>
             <a:p>
-              <a:pPr algn="l" marL="705798" indent="-352899" lvl="1">
+              <a:pPr marL="705798" lvl="1" indent="-352899" algn="l">
                 <a:lnSpc>
                   <a:spcPts val="5147"/>
                 </a:lnSpc>
@@ -4470,7 +4604,7 @@
                 <a:buChar char="•"/>
               </a:pPr>
               <a:r>
-                <a:rPr lang="en-US" b="true" sz="3899">
+                <a:rPr lang="en-US" sz="3899" b="1">
                   <a:solidFill>
                     <a:srgbClr val="404040"/>
                   </a:solidFill>
@@ -4483,7 +4617,7 @@
               </a:r>
             </a:p>
             <a:p>
-              <a:pPr algn="l" marL="705798" indent="-352899" lvl="1">
+              <a:pPr marL="705798" lvl="1" indent="-352899" algn="l">
                 <a:lnSpc>
                   <a:spcPts val="5147"/>
                 </a:lnSpc>
@@ -4491,7 +4625,7 @@
                 <a:buChar char="•"/>
               </a:pPr>
               <a:r>
-                <a:rPr lang="en-US" b="true" sz="3899">
+                <a:rPr lang="en-US" sz="3899" b="1">
                   <a:solidFill>
                     <a:srgbClr val="404040"/>
                   </a:solidFill>
@@ -4504,7 +4638,7 @@
               </a:r>
             </a:p>
             <a:p>
-              <a:pPr algn="l" marL="705798" indent="-352899" lvl="1">
+              <a:pPr marL="705798" lvl="1" indent="-352899" algn="l">
                 <a:lnSpc>
                   <a:spcPts val="5147"/>
                 </a:lnSpc>
@@ -4512,7 +4646,7 @@
                 <a:buChar char="•"/>
               </a:pPr>
               <a:r>
-                <a:rPr lang="en-US" b="true" sz="3899">
+                <a:rPr lang="en-US" sz="3899" b="1">
                   <a:solidFill>
                     <a:srgbClr val="404040"/>
                   </a:solidFill>
@@ -4525,7 +4659,7 @@
               </a:r>
             </a:p>
             <a:p>
-              <a:pPr algn="l" marL="705798" indent="-352899" lvl="1">
+              <a:pPr marL="705798" lvl="1" indent="-352899" algn="l">
                 <a:lnSpc>
                   <a:spcPts val="5147"/>
                 </a:lnSpc>
@@ -4533,7 +4667,7 @@
                 <a:buChar char="•"/>
               </a:pPr>
               <a:r>
-                <a:rPr lang="en-US" b="true" sz="3899">
+                <a:rPr lang="en-US" sz="3899" b="1">
                   <a:solidFill>
                     <a:srgbClr val="404040"/>
                   </a:solidFill>
@@ -4546,7 +4680,7 @@
               </a:r>
             </a:p>
             <a:p>
-              <a:pPr algn="l" marL="705798" indent="-352899" lvl="1">
+              <a:pPr marL="705798" lvl="1" indent="-352899" algn="l">
                 <a:lnSpc>
                   <a:spcPts val="5147"/>
                 </a:lnSpc>
@@ -4554,7 +4688,7 @@
                 <a:buChar char="•"/>
               </a:pPr>
               <a:r>
-                <a:rPr lang="en-US" b="true" sz="3899">
+                <a:rPr lang="en-US" sz="3899" b="1">
                   <a:solidFill>
                     <a:srgbClr val="404040"/>
                   </a:solidFill>
@@ -4567,7 +4701,7 @@
               </a:r>
             </a:p>
             <a:p>
-              <a:pPr algn="l" marL="705798" indent="-352899" lvl="1">
+              <a:pPr marL="705798" lvl="1" indent="-352899" algn="l">
                 <a:lnSpc>
                   <a:spcPts val="5147"/>
                 </a:lnSpc>
@@ -4575,7 +4709,7 @@
                 <a:buChar char="•"/>
               </a:pPr>
               <a:r>
-                <a:rPr lang="en-US" b="true" sz="3899">
+                <a:rPr lang="en-US" sz="3899" b="1">
                   <a:solidFill>
                     <a:srgbClr val="404040"/>
                   </a:solidFill>
@@ -4588,7 +4722,7 @@
               </a:r>
             </a:p>
             <a:p>
-              <a:pPr algn="l" marL="705798" indent="-352899" lvl="1">
+              <a:pPr marL="705798" lvl="1" indent="-352899" algn="l">
                 <a:lnSpc>
                   <a:spcPts val="5147"/>
                 </a:lnSpc>
@@ -4596,7 +4730,7 @@
                 <a:buChar char="•"/>
               </a:pPr>
               <a:r>
-                <a:rPr lang="en-US" b="true" sz="3899">
+                <a:rPr lang="en-US" sz="3899" b="1">
                   <a:solidFill>
                     <a:srgbClr val="404040"/>
                   </a:solidFill>
@@ -4609,7 +4743,7 @@
               </a:r>
             </a:p>
             <a:p>
-              <a:pPr algn="l" marL="705798" indent="-352899" lvl="1">
+              <a:pPr marL="705798" lvl="1" indent="-352899" algn="l">
                 <a:lnSpc>
                   <a:spcPts val="5147"/>
                 </a:lnSpc>
@@ -4617,7 +4751,7 @@
                 <a:buChar char="•"/>
               </a:pPr>
               <a:r>
-                <a:rPr lang="en-US" b="true" sz="3899">
+                <a:rPr lang="en-US" sz="3899" b="1">
                   <a:solidFill>
                     <a:srgbClr val="404040"/>
                   </a:solidFill>
@@ -4630,25 +4764,52 @@
               </a:r>
             </a:p>
             <a:p>
-              <a:pPr algn="l" marL="705798" indent="-352899" lvl="1">
+              <a:pPr marL="705798" lvl="1" indent="-352899" algn="l">
                 <a:lnSpc>
                   <a:spcPts val="5147"/>
                 </a:lnSpc>
               </a:pPr>
-            </a:p>
-            <a:p>
-              <a:pPr algn="l" marL="705798" indent="-352899" lvl="1">
+              <a:endParaRPr lang="en-US" sz="3899" b="1">
+                <a:solidFill>
+                  <a:srgbClr val="404040"/>
+                </a:solidFill>
+                <a:latin typeface="Arial Bold"/>
+                <a:ea typeface="Arial Bold"/>
+                <a:cs typeface="Arial Bold"/>
+                <a:sym typeface="Arial Bold"/>
+              </a:endParaRPr>
+            </a:p>
+            <a:p>
+              <a:pPr marL="705798" lvl="1" indent="-352899" algn="l">
                 <a:lnSpc>
                   <a:spcPts val="5147"/>
                 </a:lnSpc>
               </a:pPr>
-            </a:p>
-            <a:p>
-              <a:pPr algn="l" marL="705798" indent="-352899" lvl="1">
+              <a:endParaRPr lang="en-US" sz="3899" b="1">
+                <a:solidFill>
+                  <a:srgbClr val="404040"/>
+                </a:solidFill>
+                <a:latin typeface="Arial Bold"/>
+                <a:ea typeface="Arial Bold"/>
+                <a:cs typeface="Arial Bold"/>
+                <a:sym typeface="Arial Bold"/>
+              </a:endParaRPr>
+            </a:p>
+            <a:p>
+              <a:pPr marL="705798" lvl="1" indent="-352899" algn="l">
                 <a:lnSpc>
                   <a:spcPts val="5147"/>
                 </a:lnSpc>
               </a:pPr>
+              <a:endParaRPr lang="en-US" sz="3899" b="1">
+                <a:solidFill>
+                  <a:srgbClr val="404040"/>
+                </a:solidFill>
+                <a:latin typeface="Arial Bold"/>
+                <a:ea typeface="Arial Bold"/>
+                <a:cs typeface="Arial Bold"/>
+                <a:sym typeface="Arial Bold"/>
+              </a:endParaRPr>
             </a:p>
           </p:txBody>
         </p:sp>
@@ -4662,7 +4823,7 @@
 </file>
 
 <file path=ppt/slides/slide3.xml><?xml version="1.0" encoding="utf-8"?>
-<p:sld xmlns:p="http://schemas.openxmlformats.org/presentationml/2006/main" xmlns:a="http://schemas.openxmlformats.org/drawingml/2006/main" xmlns:r="http://schemas.openxmlformats.org/officeDocument/2006/relationships">
+<p:sld xmlns:a="http://schemas.openxmlformats.org/drawingml/2006/main" xmlns:r="http://schemas.openxmlformats.org/officeDocument/2006/relationships" xmlns:p="http://schemas.openxmlformats.org/presentationml/2006/main">
   <p:cSld>
     <p:spTree>
       <p:nvGrpSpPr>
@@ -4680,12 +4841,12 @@
       </p:grpSpPr>
       <p:grpSp>
         <p:nvGrpSpPr>
-          <p:cNvPr name="Group 2" id="2"/>
+          <p:cNvPr id="2" name="Group 2"/>
           <p:cNvGrpSpPr/>
           <p:nvPr/>
         </p:nvGrpSpPr>
         <p:grpSpPr>
-          <a:xfrm rot="0">
+          <a:xfrm>
             <a:off x="664890" y="680464"/>
             <a:ext cx="5554980" cy="142496"/>
             <a:chOff x="0" y="0"/>
@@ -4694,12 +4855,12 @@
         </p:grpSpPr>
         <p:sp>
           <p:nvSpPr>
-            <p:cNvPr name="Freeform 3" id="3"/>
+            <p:cNvPr id="3" name="Freeform 3"/>
             <p:cNvSpPr/>
             <p:nvPr/>
           </p:nvSpPr>
           <p:spPr>
-            <a:xfrm flipH="false" flipV="false" rot="0">
+            <a:xfrm>
               <a:off x="0" y="0"/>
               <a:ext cx="7406640" cy="189992"/>
             </a:xfrm>
@@ -4708,9 +4869,9 @@
               <a:gdLst/>
               <a:ahLst/>
               <a:cxnLst/>
-              <a:rect r="r" b="b" t="t" l="l"/>
+              <a:rect l="l" t="t" r="r" b="b"/>
               <a:pathLst>
-                <a:path h="189992" w="7406640">
+                <a:path w="7406640" h="189992">
                   <a:moveTo>
                     <a:pt x="0" y="0"/>
                   </a:moveTo>
@@ -4731,16 +4892,23 @@
               <a:srgbClr val="465359"/>
             </a:solidFill>
           </p:spPr>
+          <p:txBody>
+            <a:bodyPr/>
+            <a:lstStyle/>
+            <a:p>
+              <a:endParaRPr lang="en-US"/>
+            </a:p>
+          </p:txBody>
         </p:sp>
       </p:grpSp>
       <p:grpSp>
         <p:nvGrpSpPr>
-          <p:cNvPr name="Group 4" id="4"/>
+          <p:cNvPr id="4" name="Group 4"/>
           <p:cNvGrpSpPr/>
           <p:nvPr/>
         </p:nvGrpSpPr>
         <p:grpSpPr>
-          <a:xfrm rot="0">
+          <a:xfrm>
             <a:off x="12063220" y="680464"/>
             <a:ext cx="5554980" cy="147831"/>
             <a:chOff x="0" y="0"/>
@@ -4749,12 +4917,12 @@
         </p:grpSpPr>
         <p:sp>
           <p:nvSpPr>
-            <p:cNvPr name="Freeform 5" id="5"/>
+            <p:cNvPr id="5" name="Freeform 5"/>
             <p:cNvSpPr/>
             <p:nvPr/>
           </p:nvSpPr>
           <p:spPr>
-            <a:xfrm flipH="false" flipV="false" rot="0">
+            <a:xfrm>
               <a:off x="0" y="0"/>
               <a:ext cx="7406640" cy="197104"/>
             </a:xfrm>
@@ -4763,9 +4931,9 @@
               <a:gdLst/>
               <a:ahLst/>
               <a:cxnLst/>
-              <a:rect r="r" b="b" t="t" l="l"/>
+              <a:rect l="l" t="t" r="r" b="b"/>
               <a:pathLst>
-                <a:path h="197104" w="7406640">
+                <a:path w="7406640" h="197104">
                   <a:moveTo>
                     <a:pt x="0" y="0"/>
                   </a:moveTo>
@@ -4786,16 +4954,23 @@
               <a:srgbClr val="969FA7"/>
             </a:solidFill>
           </p:spPr>
+          <p:txBody>
+            <a:bodyPr/>
+            <a:lstStyle/>
+            <a:p>
+              <a:endParaRPr lang="en-US"/>
+            </a:p>
+          </p:txBody>
         </p:sp>
       </p:grpSp>
       <p:grpSp>
         <p:nvGrpSpPr>
-          <p:cNvPr name="Group 6" id="6"/>
+          <p:cNvPr id="6" name="Group 6"/>
           <p:cNvGrpSpPr/>
           <p:nvPr/>
         </p:nvGrpSpPr>
         <p:grpSpPr>
-          <a:xfrm rot="0">
+          <a:xfrm>
             <a:off x="6362745" y="685800"/>
             <a:ext cx="5554980" cy="137160"/>
             <a:chOff x="0" y="0"/>
@@ -4804,12 +4979,12 @@
         </p:grpSpPr>
         <p:sp>
           <p:nvSpPr>
-            <p:cNvPr name="Freeform 7" id="7"/>
+            <p:cNvPr id="7" name="Freeform 7"/>
             <p:cNvSpPr/>
             <p:nvPr/>
           </p:nvSpPr>
           <p:spPr>
-            <a:xfrm flipH="false" flipV="false" rot="0">
+            <a:xfrm>
               <a:off x="0" y="0"/>
               <a:ext cx="7406640" cy="182880"/>
             </a:xfrm>
@@ -4818,9 +4993,9 @@
               <a:gdLst/>
               <a:ahLst/>
               <a:cxnLst/>
-              <a:rect r="r" b="b" t="t" l="l"/>
+              <a:rect l="l" t="t" r="r" b="b"/>
               <a:pathLst>
-                <a:path h="182880" w="7406640">
+                <a:path w="7406640" h="182880">
                   <a:moveTo>
                     <a:pt x="0" y="0"/>
                   </a:moveTo>
@@ -4841,16 +5016,23 @@
               <a:srgbClr val="1CADE4"/>
             </a:solidFill>
           </p:spPr>
+          <p:txBody>
+            <a:bodyPr/>
+            <a:lstStyle/>
+            <a:p>
+              <a:endParaRPr lang="en-US"/>
+            </a:p>
+          </p:txBody>
         </p:sp>
       </p:grpSp>
       <p:sp>
         <p:nvSpPr>
-          <p:cNvPr name="Freeform 8" id="8" descr="Logo  Description automatically generated"/>
+          <p:cNvPr id="8" name="Freeform 8" descr="Logo  Description automatically generated"/>
           <p:cNvSpPr/>
           <p:nvPr/>
         </p:nvSpPr>
         <p:spPr>
-          <a:xfrm flipH="false" flipV="false" rot="0">
+          <a:xfrm>
             <a:off x="15727505" y="9656865"/>
             <a:ext cx="1688707" cy="547689"/>
           </a:xfrm>
@@ -4859,9 +5041,9 @@
             <a:gdLst/>
             <a:ahLst/>
             <a:cxnLst/>
-            <a:rect r="r" b="b" t="t" l="l"/>
+            <a:rect l="l" t="t" r="r" b="b"/>
             <a:pathLst>
-              <a:path h="547689" w="1688707">
+              <a:path w="1688707" h="547689">
                 <a:moveTo>
                   <a:pt x="0" y="0"/>
                 </a:moveTo>
@@ -4884,19 +5066,26 @@
           <a:blipFill>
             <a:blip r:embed="rId2"/>
             <a:stretch>
-              <a:fillRect l="0" t="-141" r="0" b="-141"/>
+              <a:fillRect t="-141" b="-141"/>
             </a:stretch>
           </a:blipFill>
         </p:spPr>
+        <p:txBody>
+          <a:bodyPr/>
+          <a:lstStyle/>
+          <a:p>
+            <a:endParaRPr lang="en-US"/>
+          </a:p>
+        </p:txBody>
       </p:sp>
       <p:grpSp>
         <p:nvGrpSpPr>
-          <p:cNvPr name="Group 9" id="9"/>
+          <p:cNvPr id="9" name="Group 9"/>
           <p:cNvGrpSpPr/>
           <p:nvPr/>
         </p:nvGrpSpPr>
         <p:grpSpPr>
-          <a:xfrm rot="0">
+          <a:xfrm>
             <a:off x="1028700" y="1028700"/>
             <a:ext cx="16544424" cy="1101014"/>
             <a:chOff x="0" y="0"/>
@@ -4905,12 +5094,12 @@
         </p:grpSpPr>
         <p:sp>
           <p:nvSpPr>
-            <p:cNvPr name="Freeform 10" id="10"/>
+            <p:cNvPr id="10" name="Freeform 10"/>
             <p:cNvSpPr/>
             <p:nvPr/>
           </p:nvSpPr>
           <p:spPr>
-            <a:xfrm flipH="false" flipV="false" rot="0">
+            <a:xfrm>
               <a:off x="0" y="0"/>
               <a:ext cx="22059232" cy="1468018"/>
             </a:xfrm>
@@ -4919,9 +5108,9 @@
               <a:gdLst/>
               <a:ahLst/>
               <a:cxnLst/>
-              <a:rect r="r" b="b" t="t" l="l"/>
+              <a:rect l="l" t="t" r="r" b="b"/>
               <a:pathLst>
-                <a:path h="1468018" w="22059232">
+                <a:path w="22059232" h="1468018">
                   <a:moveTo>
                     <a:pt x="0" y="0"/>
                   </a:moveTo>
@@ -4944,11 +5133,18 @@
               </a:srgbClr>
             </a:solidFill>
           </p:spPr>
+          <p:txBody>
+            <a:bodyPr/>
+            <a:lstStyle/>
+            <a:p>
+              <a:endParaRPr lang="en-US"/>
+            </a:p>
+          </p:txBody>
         </p:sp>
         <p:sp>
           <p:nvSpPr>
-            <p:cNvPr name="TextBox 11" id="11"/>
-            <p:cNvSpPr txBox="true"/>
+            <p:cNvPr id="11" name="TextBox 11"/>
+            <p:cNvSpPr txBox="1"/>
             <p:nvPr/>
           </p:nvSpPr>
           <p:spPr>
@@ -4961,7 +5157,7 @@
             </a:prstGeom>
           </p:spPr>
           <p:txBody>
-            <a:bodyPr anchor="b" rtlCol="false" tIns="0" lIns="0" bIns="0" rIns="0"/>
+            <a:bodyPr lIns="0" tIns="0" rIns="0" bIns="0" rtlCol="0" anchor="b"/>
             <a:lstStyle/>
             <a:p>
               <a:pPr algn="ctr">
@@ -4970,7 +5166,7 @@
                 </a:lnSpc>
               </a:pPr>
               <a:r>
-                <a:rPr lang="en-US" sz="5940" b="true">
+                <a:rPr lang="en-US" sz="5940" b="1">
                   <a:solidFill>
                     <a:srgbClr val="1CADE4"/>
                   </a:solidFill>
@@ -4987,12 +5183,12 @@
       </p:grpSp>
       <p:grpSp>
         <p:nvGrpSpPr>
-          <p:cNvPr name="Group 12" id="12"/>
+          <p:cNvPr id="12" name="Group 12"/>
           <p:cNvGrpSpPr/>
           <p:nvPr/>
         </p:nvGrpSpPr>
         <p:grpSpPr>
-          <a:xfrm rot="0">
+          <a:xfrm>
             <a:off x="1349615" y="1826400"/>
             <a:ext cx="14876244" cy="7156923"/>
             <a:chOff x="0" y="0"/>
@@ -5001,12 +5197,12 @@
         </p:grpSpPr>
         <p:sp>
           <p:nvSpPr>
-            <p:cNvPr name="Freeform 13" id="13"/>
+            <p:cNvPr id="13" name="Freeform 13"/>
             <p:cNvSpPr/>
             <p:nvPr/>
           </p:nvSpPr>
           <p:spPr>
-            <a:xfrm flipH="false" flipV="false" rot="0">
+            <a:xfrm>
               <a:off x="0" y="0"/>
               <a:ext cx="19834992" cy="9542564"/>
             </a:xfrm>
@@ -5015,9 +5211,9 @@
               <a:gdLst/>
               <a:ahLst/>
               <a:cxnLst/>
-              <a:rect r="r" b="b" t="t" l="l"/>
+              <a:rect l="l" t="t" r="r" b="b"/>
               <a:pathLst>
-                <a:path h="9542564" w="19834992">
+                <a:path w="19834992" h="9542564">
                   <a:moveTo>
                     <a:pt x="0" y="0"/>
                   </a:moveTo>
@@ -5040,11 +5236,18 @@
               </a:srgbClr>
             </a:solidFill>
           </p:spPr>
+          <p:txBody>
+            <a:bodyPr/>
+            <a:lstStyle/>
+            <a:p>
+              <a:endParaRPr lang="en-US"/>
+            </a:p>
+          </p:txBody>
         </p:sp>
         <p:sp>
           <p:nvSpPr>
-            <p:cNvPr name="TextBox 14" id="14"/>
-            <p:cNvSpPr txBox="true"/>
+            <p:cNvPr id="14" name="TextBox 14"/>
+            <p:cNvSpPr txBox="1"/>
             <p:nvPr/>
           </p:nvSpPr>
           <p:spPr>
@@ -5057,7 +5260,7 @@
             </a:prstGeom>
           </p:spPr>
           <p:txBody>
-            <a:bodyPr anchor="ctr" rtlCol="false" tIns="0" lIns="0" bIns="0" rIns="0"/>
+            <a:bodyPr lIns="0" tIns="0" rIns="0" bIns="0" rtlCol="0" anchor="ctr"/>
             <a:lstStyle/>
             <a:p>
               <a:pPr algn="l">
@@ -5090,7 +5293,7 @@
 </file>
 
 <file path=ppt/slides/slide4.xml><?xml version="1.0" encoding="utf-8"?>
-<p:sld xmlns:p="http://schemas.openxmlformats.org/presentationml/2006/main" xmlns:a="http://schemas.openxmlformats.org/drawingml/2006/main" xmlns:r="http://schemas.openxmlformats.org/officeDocument/2006/relationships">
+<p:sld xmlns:a="http://schemas.openxmlformats.org/drawingml/2006/main" xmlns:r="http://schemas.openxmlformats.org/officeDocument/2006/relationships" xmlns:p="http://schemas.openxmlformats.org/presentationml/2006/main">
   <p:cSld>
     <p:spTree>
       <p:nvGrpSpPr>
@@ -5108,12 +5311,12 @@
       </p:grpSpPr>
       <p:grpSp>
         <p:nvGrpSpPr>
-          <p:cNvPr name="Group 2" id="2"/>
+          <p:cNvPr id="2" name="Group 2"/>
           <p:cNvGrpSpPr/>
           <p:nvPr/>
         </p:nvGrpSpPr>
         <p:grpSpPr>
-          <a:xfrm rot="0">
+          <a:xfrm>
             <a:off x="669801" y="685800"/>
             <a:ext cx="5554980" cy="142496"/>
             <a:chOff x="0" y="0"/>
@@ -5122,12 +5325,12 @@
         </p:grpSpPr>
         <p:sp>
           <p:nvSpPr>
-            <p:cNvPr name="Freeform 3" id="3"/>
+            <p:cNvPr id="3" name="Freeform 3"/>
             <p:cNvSpPr/>
             <p:nvPr/>
           </p:nvSpPr>
           <p:spPr>
-            <a:xfrm flipH="false" flipV="false" rot="0">
+            <a:xfrm>
               <a:off x="0" y="0"/>
               <a:ext cx="7406640" cy="189992"/>
             </a:xfrm>
@@ -5136,9 +5339,9 @@
               <a:gdLst/>
               <a:ahLst/>
               <a:cxnLst/>
-              <a:rect r="r" b="b" t="t" l="l"/>
+              <a:rect l="l" t="t" r="r" b="b"/>
               <a:pathLst>
-                <a:path h="189992" w="7406640">
+                <a:path w="7406640" h="189992">
                   <a:moveTo>
                     <a:pt x="0" y="0"/>
                   </a:moveTo>
@@ -5159,16 +5362,23 @@
               <a:srgbClr val="465359"/>
             </a:solidFill>
           </p:spPr>
+          <p:txBody>
+            <a:bodyPr/>
+            <a:lstStyle/>
+            <a:p>
+              <a:endParaRPr lang="en-US"/>
+            </a:p>
+          </p:txBody>
         </p:sp>
       </p:grpSp>
       <p:grpSp>
         <p:nvGrpSpPr>
-          <p:cNvPr name="Group 4" id="4"/>
+          <p:cNvPr id="4" name="Group 4"/>
           <p:cNvGrpSpPr/>
           <p:nvPr/>
         </p:nvGrpSpPr>
         <p:grpSpPr>
-          <a:xfrm rot="0">
+          <a:xfrm>
             <a:off x="12063220" y="680464"/>
             <a:ext cx="5554980" cy="147831"/>
             <a:chOff x="0" y="0"/>
@@ -5177,12 +5387,12 @@
         </p:grpSpPr>
         <p:sp>
           <p:nvSpPr>
-            <p:cNvPr name="Freeform 5" id="5"/>
+            <p:cNvPr id="5" name="Freeform 5"/>
             <p:cNvSpPr/>
             <p:nvPr/>
           </p:nvSpPr>
           <p:spPr>
-            <a:xfrm flipH="false" flipV="false" rot="0">
+            <a:xfrm>
               <a:off x="0" y="0"/>
               <a:ext cx="7406640" cy="197104"/>
             </a:xfrm>
@@ -5191,9 +5401,9 @@
               <a:gdLst/>
               <a:ahLst/>
               <a:cxnLst/>
-              <a:rect r="r" b="b" t="t" l="l"/>
+              <a:rect l="l" t="t" r="r" b="b"/>
               <a:pathLst>
-                <a:path h="197104" w="7406640">
+                <a:path w="7406640" h="197104">
                   <a:moveTo>
                     <a:pt x="0" y="0"/>
                   </a:moveTo>
@@ -5214,16 +5424,23 @@
               <a:srgbClr val="969FA7"/>
             </a:solidFill>
           </p:spPr>
+          <p:txBody>
+            <a:bodyPr/>
+            <a:lstStyle/>
+            <a:p>
+              <a:endParaRPr lang="en-US"/>
+            </a:p>
+          </p:txBody>
         </p:sp>
       </p:grpSp>
       <p:grpSp>
         <p:nvGrpSpPr>
-          <p:cNvPr name="Group 6" id="6"/>
+          <p:cNvPr id="6" name="Group 6"/>
           <p:cNvGrpSpPr/>
           <p:nvPr/>
         </p:nvGrpSpPr>
         <p:grpSpPr>
-          <a:xfrm rot="0">
+          <a:xfrm>
             <a:off x="6362745" y="685800"/>
             <a:ext cx="5554980" cy="137160"/>
             <a:chOff x="0" y="0"/>
@@ -5232,12 +5449,12 @@
         </p:grpSpPr>
         <p:sp>
           <p:nvSpPr>
-            <p:cNvPr name="Freeform 7" id="7"/>
+            <p:cNvPr id="7" name="Freeform 7"/>
             <p:cNvSpPr/>
             <p:nvPr/>
           </p:nvSpPr>
           <p:spPr>
-            <a:xfrm flipH="false" flipV="false" rot="0">
+            <a:xfrm>
               <a:off x="0" y="0"/>
               <a:ext cx="7406640" cy="182880"/>
             </a:xfrm>
@@ -5246,9 +5463,9 @@
               <a:gdLst/>
               <a:ahLst/>
               <a:cxnLst/>
-              <a:rect r="r" b="b" t="t" l="l"/>
+              <a:rect l="l" t="t" r="r" b="b"/>
               <a:pathLst>
-                <a:path h="182880" w="7406640">
+                <a:path w="7406640" h="182880">
                   <a:moveTo>
                     <a:pt x="0" y="0"/>
                   </a:moveTo>
@@ -5269,16 +5486,23 @@
               <a:srgbClr val="1CADE4"/>
             </a:solidFill>
           </p:spPr>
+          <p:txBody>
+            <a:bodyPr/>
+            <a:lstStyle/>
+            <a:p>
+              <a:endParaRPr lang="en-US"/>
+            </a:p>
+          </p:txBody>
         </p:sp>
       </p:grpSp>
       <p:sp>
         <p:nvSpPr>
-          <p:cNvPr name="Freeform 8" id="8" descr="Logo  Description automatically generated"/>
+          <p:cNvPr id="8" name="Freeform 8" descr="Logo  Description automatically generated"/>
           <p:cNvSpPr/>
           <p:nvPr/>
         </p:nvSpPr>
         <p:spPr>
-          <a:xfrm flipH="false" flipV="false" rot="0">
+          <a:xfrm>
             <a:off x="15727505" y="9656865"/>
             <a:ext cx="1688707" cy="547689"/>
           </a:xfrm>
@@ -5287,9 +5511,9 @@
             <a:gdLst/>
             <a:ahLst/>
             <a:cxnLst/>
-            <a:rect r="r" b="b" t="t" l="l"/>
+            <a:rect l="l" t="t" r="r" b="b"/>
             <a:pathLst>
-              <a:path h="547689" w="1688707">
+              <a:path w="1688707" h="547689">
                 <a:moveTo>
                   <a:pt x="0" y="0"/>
                 </a:moveTo>
@@ -5312,19 +5536,26 @@
           <a:blipFill>
             <a:blip r:embed="rId2"/>
             <a:stretch>
-              <a:fillRect l="0" t="-141" r="0" b="-141"/>
+              <a:fillRect t="-141" b="-141"/>
             </a:stretch>
           </a:blipFill>
         </p:spPr>
+        <p:txBody>
+          <a:bodyPr/>
+          <a:lstStyle/>
+          <a:p>
+            <a:endParaRPr lang="en-US"/>
+          </a:p>
+        </p:txBody>
       </p:sp>
       <p:grpSp>
         <p:nvGrpSpPr>
-          <p:cNvPr name="Group 9" id="9"/>
+          <p:cNvPr id="9" name="Group 9"/>
           <p:cNvGrpSpPr/>
           <p:nvPr/>
         </p:nvGrpSpPr>
         <p:grpSpPr>
-          <a:xfrm rot="0">
+          <a:xfrm>
             <a:off x="1073777" y="1765761"/>
             <a:ext cx="16544424" cy="1101014"/>
             <a:chOff x="0" y="0"/>
@@ -5333,12 +5564,12 @@
         </p:grpSpPr>
         <p:sp>
           <p:nvSpPr>
-            <p:cNvPr name="Freeform 10" id="10"/>
+            <p:cNvPr id="10" name="Freeform 10"/>
             <p:cNvSpPr/>
             <p:nvPr/>
           </p:nvSpPr>
           <p:spPr>
-            <a:xfrm flipH="false" flipV="false" rot="0">
+            <a:xfrm>
               <a:off x="0" y="0"/>
               <a:ext cx="22059232" cy="1468018"/>
             </a:xfrm>
@@ -5347,9 +5578,9 @@
               <a:gdLst/>
               <a:ahLst/>
               <a:cxnLst/>
-              <a:rect r="r" b="b" t="t" l="l"/>
+              <a:rect l="l" t="t" r="r" b="b"/>
               <a:pathLst>
-                <a:path h="1468018" w="22059232">
+                <a:path w="22059232" h="1468018">
                   <a:moveTo>
                     <a:pt x="0" y="0"/>
                   </a:moveTo>
@@ -5372,11 +5603,18 @@
               </a:srgbClr>
             </a:solidFill>
           </p:spPr>
+          <p:txBody>
+            <a:bodyPr/>
+            <a:lstStyle/>
+            <a:p>
+              <a:endParaRPr lang="en-US"/>
+            </a:p>
+          </p:txBody>
         </p:sp>
         <p:sp>
           <p:nvSpPr>
-            <p:cNvPr name="TextBox 11" id="11"/>
-            <p:cNvSpPr txBox="true"/>
+            <p:cNvPr id="11" name="TextBox 11"/>
+            <p:cNvSpPr txBox="1"/>
             <p:nvPr/>
           </p:nvSpPr>
           <p:spPr>
@@ -5389,7 +5627,7 @@
             </a:prstGeom>
           </p:spPr>
           <p:txBody>
-            <a:bodyPr anchor="b" rtlCol="false" tIns="0" lIns="0" bIns="0" rIns="0"/>
+            <a:bodyPr lIns="0" tIns="0" rIns="0" bIns="0" rtlCol="0" anchor="b"/>
             <a:lstStyle/>
             <a:p>
               <a:pPr algn="ctr">
@@ -5398,7 +5636,7 @@
                 </a:lnSpc>
               </a:pPr>
               <a:r>
-                <a:rPr lang="en-US" sz="5940" b="true">
+                <a:rPr lang="en-US" sz="5940" b="1">
                   <a:solidFill>
                     <a:srgbClr val="1CADE4"/>
                   </a:solidFill>
@@ -5415,12 +5653,12 @@
       </p:grpSp>
       <p:sp>
         <p:nvSpPr>
-          <p:cNvPr name="TextBox 12" id="12"/>
-          <p:cNvSpPr txBox="true"/>
+          <p:cNvPr id="12" name="TextBox 12"/>
+          <p:cNvSpPr txBox="1"/>
           <p:nvPr/>
         </p:nvSpPr>
         <p:spPr>
-          <a:xfrm rot="0">
+          <a:xfrm>
             <a:off x="1525246" y="3134053"/>
             <a:ext cx="16701135" cy="5086350"/>
           </a:xfrm>
@@ -5429,7 +5667,7 @@
           </a:prstGeom>
         </p:spPr>
         <p:txBody>
-          <a:bodyPr anchor="t" rtlCol="false" tIns="0" lIns="0" bIns="0" rIns="0">
+          <a:bodyPr lIns="0" tIns="0" rIns="0" bIns="0" rtlCol="0" anchor="t">
             <a:spAutoFit/>
           </a:bodyPr>
           <a:lstStyle/>
@@ -5443,7 +5681,7 @@
               </a:spcBef>
             </a:pPr>
             <a:r>
-              <a:rPr lang="en-US" b="true" sz="3049">
+              <a:rPr lang="en-US" sz="3049" b="1">
                 <a:solidFill>
                   <a:srgbClr val="000000"/>
                 </a:solidFill>
@@ -5477,7 +5715,7 @@
               </a:spcBef>
             </a:pPr>
             <a:r>
-              <a:rPr lang="en-US" b="true" sz="3049">
+              <a:rPr lang="en-US" sz="3049" b="1">
                 <a:solidFill>
                   <a:srgbClr val="000000"/>
                 </a:solidFill>
@@ -5490,7 +5728,7 @@
             </a:r>
           </a:p>
           <a:p>
-            <a:pPr algn="l" marL="658494" indent="-329247" lvl="1">
+            <a:pPr marL="658494" lvl="1" indent="-329247" algn="l">
               <a:lnSpc>
                 <a:spcPts val="3659"/>
               </a:lnSpc>
@@ -5514,7 +5752,7 @@
             </a:r>
           </a:p>
           <a:p>
-            <a:pPr algn="l" marL="658494" indent="-329247" lvl="1">
+            <a:pPr marL="658494" lvl="1" indent="-329247" algn="l">
               <a:lnSpc>
                 <a:spcPts val="3659"/>
               </a:lnSpc>
@@ -5538,7 +5776,7 @@
             </a:r>
           </a:p>
           <a:p>
-            <a:pPr algn="l" marL="658494" indent="-329247" lvl="1">
+            <a:pPr marL="658494" lvl="1" indent="-329247" algn="l">
               <a:lnSpc>
                 <a:spcPts val="3659"/>
               </a:lnSpc>
@@ -5562,7 +5800,7 @@
             </a:r>
           </a:p>
           <a:p>
-            <a:pPr algn="l" marL="658494" indent="-329247" lvl="1">
+            <a:pPr marL="658494" lvl="1" indent="-329247" algn="l">
               <a:lnSpc>
                 <a:spcPts val="3659"/>
               </a:lnSpc>
@@ -5595,7 +5833,7 @@
               </a:spcBef>
             </a:pPr>
             <a:r>
-              <a:rPr lang="en-US" b="true" sz="3049">
+              <a:rPr lang="en-US" sz="3049" b="1">
                 <a:solidFill>
                   <a:srgbClr val="000000"/>
                 </a:solidFill>
@@ -5629,7 +5867,7 @@
               </a:spcBef>
             </a:pPr>
             <a:r>
-              <a:rPr lang="en-US" b="true" sz="3049">
+              <a:rPr lang="en-US" sz="3049" b="1">
                 <a:solidFill>
                   <a:srgbClr val="000000"/>
                 </a:solidFill>
@@ -5663,7 +5901,7 @@
               </a:spcBef>
             </a:pPr>
             <a:r>
-              <a:rPr lang="en-US" b="true" sz="3049">
+              <a:rPr lang="en-US" sz="3049" b="1">
                 <a:solidFill>
                   <a:srgbClr val="000000"/>
                 </a:solidFill>
@@ -5697,7 +5935,7 @@
               </a:spcBef>
             </a:pPr>
             <a:r>
-              <a:rPr lang="en-US" b="true" sz="3049">
+              <a:rPr lang="en-US" sz="3049" b="1">
                 <a:solidFill>
                   <a:srgbClr val="000000"/>
                 </a:solidFill>
@@ -5731,7 +5969,7 @@
               </a:spcBef>
             </a:pPr>
             <a:r>
-              <a:rPr lang="en-US" b="true" sz="3049">
+              <a:rPr lang="en-US" sz="3049" b="1">
                 <a:solidFill>
                   <a:srgbClr val="000000"/>
                 </a:solidFill>
@@ -5766,7 +6004,7 @@
 </file>
 
 <file path=ppt/slides/slide5.xml><?xml version="1.0" encoding="utf-8"?>
-<p:sld xmlns:p="http://schemas.openxmlformats.org/presentationml/2006/main" xmlns:a="http://schemas.openxmlformats.org/drawingml/2006/main" xmlns:r="http://schemas.openxmlformats.org/officeDocument/2006/relationships">
+<p:sld xmlns:a="http://schemas.openxmlformats.org/drawingml/2006/main" xmlns:r="http://schemas.openxmlformats.org/officeDocument/2006/relationships" xmlns:p="http://schemas.openxmlformats.org/presentationml/2006/main">
   <p:cSld>
     <p:spTree>
       <p:nvGrpSpPr>
@@ -5784,12 +6022,12 @@
       </p:grpSpPr>
       <p:grpSp>
         <p:nvGrpSpPr>
-          <p:cNvPr name="Group 2" id="2"/>
+          <p:cNvPr id="2" name="Group 2"/>
           <p:cNvGrpSpPr/>
           <p:nvPr/>
         </p:nvGrpSpPr>
         <p:grpSpPr>
-          <a:xfrm rot="0">
+          <a:xfrm>
             <a:off x="669801" y="685800"/>
             <a:ext cx="5554980" cy="142496"/>
             <a:chOff x="0" y="0"/>
@@ -5798,12 +6036,12 @@
         </p:grpSpPr>
         <p:sp>
           <p:nvSpPr>
-            <p:cNvPr name="Freeform 3" id="3"/>
+            <p:cNvPr id="3" name="Freeform 3"/>
             <p:cNvSpPr/>
             <p:nvPr/>
           </p:nvSpPr>
           <p:spPr>
-            <a:xfrm flipH="false" flipV="false" rot="0">
+            <a:xfrm>
               <a:off x="0" y="0"/>
               <a:ext cx="7406640" cy="189992"/>
             </a:xfrm>
@@ -5812,9 +6050,9 @@
               <a:gdLst/>
               <a:ahLst/>
               <a:cxnLst/>
-              <a:rect r="r" b="b" t="t" l="l"/>
+              <a:rect l="l" t="t" r="r" b="b"/>
               <a:pathLst>
-                <a:path h="189992" w="7406640">
+                <a:path w="7406640" h="189992">
                   <a:moveTo>
                     <a:pt x="0" y="0"/>
                   </a:moveTo>
@@ -5835,16 +6073,23 @@
               <a:srgbClr val="465359"/>
             </a:solidFill>
           </p:spPr>
+          <p:txBody>
+            <a:bodyPr/>
+            <a:lstStyle/>
+            <a:p>
+              <a:endParaRPr lang="en-US"/>
+            </a:p>
+          </p:txBody>
         </p:sp>
       </p:grpSp>
       <p:grpSp>
         <p:nvGrpSpPr>
-          <p:cNvPr name="Group 4" id="4"/>
+          <p:cNvPr id="4" name="Group 4"/>
           <p:cNvGrpSpPr/>
           <p:nvPr/>
         </p:nvGrpSpPr>
         <p:grpSpPr>
-          <a:xfrm rot="0">
+          <a:xfrm>
             <a:off x="12063220" y="680464"/>
             <a:ext cx="5554980" cy="147831"/>
             <a:chOff x="0" y="0"/>
@@ -5853,12 +6098,12 @@
         </p:grpSpPr>
         <p:sp>
           <p:nvSpPr>
-            <p:cNvPr name="Freeform 5" id="5"/>
+            <p:cNvPr id="5" name="Freeform 5"/>
             <p:cNvSpPr/>
             <p:nvPr/>
           </p:nvSpPr>
           <p:spPr>
-            <a:xfrm flipH="false" flipV="false" rot="0">
+            <a:xfrm>
               <a:off x="0" y="0"/>
               <a:ext cx="7406640" cy="197104"/>
             </a:xfrm>
@@ -5867,9 +6112,9 @@
               <a:gdLst/>
               <a:ahLst/>
               <a:cxnLst/>
-              <a:rect r="r" b="b" t="t" l="l"/>
+              <a:rect l="l" t="t" r="r" b="b"/>
               <a:pathLst>
-                <a:path h="197104" w="7406640">
+                <a:path w="7406640" h="197104">
                   <a:moveTo>
                     <a:pt x="0" y="0"/>
                   </a:moveTo>
@@ -5890,16 +6135,23 @@
               <a:srgbClr val="969FA7"/>
             </a:solidFill>
           </p:spPr>
+          <p:txBody>
+            <a:bodyPr/>
+            <a:lstStyle/>
+            <a:p>
+              <a:endParaRPr lang="en-US"/>
+            </a:p>
+          </p:txBody>
         </p:sp>
       </p:grpSp>
       <p:grpSp>
         <p:nvGrpSpPr>
-          <p:cNvPr name="Group 6" id="6"/>
+          <p:cNvPr id="6" name="Group 6"/>
           <p:cNvGrpSpPr/>
           <p:nvPr/>
         </p:nvGrpSpPr>
         <p:grpSpPr>
-          <a:xfrm rot="0">
+          <a:xfrm>
             <a:off x="6362745" y="685800"/>
             <a:ext cx="5554980" cy="137160"/>
             <a:chOff x="0" y="0"/>
@@ -5908,12 +6160,12 @@
         </p:grpSpPr>
         <p:sp>
           <p:nvSpPr>
-            <p:cNvPr name="Freeform 7" id="7"/>
+            <p:cNvPr id="7" name="Freeform 7"/>
             <p:cNvSpPr/>
             <p:nvPr/>
           </p:nvSpPr>
           <p:spPr>
-            <a:xfrm flipH="false" flipV="false" rot="0">
+            <a:xfrm>
               <a:off x="0" y="0"/>
               <a:ext cx="7406640" cy="182880"/>
             </a:xfrm>
@@ -5922,9 +6174,9 @@
               <a:gdLst/>
               <a:ahLst/>
               <a:cxnLst/>
-              <a:rect r="r" b="b" t="t" l="l"/>
+              <a:rect l="l" t="t" r="r" b="b"/>
               <a:pathLst>
-                <a:path h="182880" w="7406640">
+                <a:path w="7406640" h="182880">
                   <a:moveTo>
                     <a:pt x="0" y="0"/>
                   </a:moveTo>
@@ -5945,16 +6197,23 @@
               <a:srgbClr val="1CADE4"/>
             </a:solidFill>
           </p:spPr>
+          <p:txBody>
+            <a:bodyPr/>
+            <a:lstStyle/>
+            <a:p>
+              <a:endParaRPr lang="en-US"/>
+            </a:p>
+          </p:txBody>
         </p:sp>
       </p:grpSp>
       <p:sp>
         <p:nvSpPr>
-          <p:cNvPr name="Freeform 8" id="8" descr="Logo  Description automatically generated"/>
+          <p:cNvPr id="8" name="Freeform 8" descr="Logo  Description automatically generated"/>
           <p:cNvSpPr/>
           <p:nvPr/>
         </p:nvSpPr>
         <p:spPr>
-          <a:xfrm flipH="false" flipV="false" rot="0">
+          <a:xfrm>
             <a:off x="15727505" y="9656865"/>
             <a:ext cx="1688707" cy="547689"/>
           </a:xfrm>
@@ -5963,9 +6222,9 @@
             <a:gdLst/>
             <a:ahLst/>
             <a:cxnLst/>
-            <a:rect r="r" b="b" t="t" l="l"/>
+            <a:rect l="l" t="t" r="r" b="b"/>
             <a:pathLst>
-              <a:path h="547689" w="1688707">
+              <a:path w="1688707" h="547689">
                 <a:moveTo>
                   <a:pt x="0" y="0"/>
                 </a:moveTo>
@@ -5988,19 +6247,26 @@
           <a:blipFill>
             <a:blip r:embed="rId2"/>
             <a:stretch>
-              <a:fillRect l="0" t="-141" r="0" b="-141"/>
+              <a:fillRect t="-141" b="-141"/>
             </a:stretch>
           </a:blipFill>
         </p:spPr>
+        <p:txBody>
+          <a:bodyPr/>
+          <a:lstStyle/>
+          <a:p>
+            <a:endParaRPr lang="en-US"/>
+          </a:p>
+        </p:txBody>
       </p:sp>
       <p:grpSp>
         <p:nvGrpSpPr>
-          <p:cNvPr name="Group 9" id="9"/>
+          <p:cNvPr id="9" name="Group 9"/>
           <p:cNvGrpSpPr/>
           <p:nvPr/>
         </p:nvGrpSpPr>
         <p:grpSpPr>
-          <a:xfrm rot="0">
+          <a:xfrm>
             <a:off x="871786" y="1157595"/>
             <a:ext cx="16544424" cy="882396"/>
             <a:chOff x="0" y="0"/>
@@ -6009,12 +6275,12 @@
         </p:grpSpPr>
         <p:sp>
           <p:nvSpPr>
-            <p:cNvPr name="Freeform 10" id="10"/>
+            <p:cNvPr id="10" name="Freeform 10"/>
             <p:cNvSpPr/>
             <p:nvPr/>
           </p:nvSpPr>
           <p:spPr>
-            <a:xfrm flipH="false" flipV="false" rot="0">
+            <a:xfrm>
               <a:off x="0" y="0"/>
               <a:ext cx="22059232" cy="1176528"/>
             </a:xfrm>
@@ -6023,9 +6289,9 @@
               <a:gdLst/>
               <a:ahLst/>
               <a:cxnLst/>
-              <a:rect r="r" b="b" t="t" l="l"/>
+              <a:rect l="l" t="t" r="r" b="b"/>
               <a:pathLst>
-                <a:path h="1176528" w="22059232">
+                <a:path w="22059232" h="1176528">
                   <a:moveTo>
                     <a:pt x="0" y="0"/>
                   </a:moveTo>
@@ -6048,11 +6314,18 @@
               </a:srgbClr>
             </a:solidFill>
           </p:spPr>
+          <p:txBody>
+            <a:bodyPr/>
+            <a:lstStyle/>
+            <a:p>
+              <a:endParaRPr lang="en-US"/>
+            </a:p>
+          </p:txBody>
         </p:sp>
         <p:sp>
           <p:nvSpPr>
-            <p:cNvPr name="TextBox 11" id="11"/>
-            <p:cNvSpPr txBox="true"/>
+            <p:cNvPr id="11" name="TextBox 11"/>
+            <p:cNvSpPr txBox="1"/>
             <p:nvPr/>
           </p:nvSpPr>
           <p:spPr>
@@ -6065,7 +6338,7 @@
             </a:prstGeom>
           </p:spPr>
           <p:txBody>
-            <a:bodyPr anchor="b" rtlCol="false" tIns="0" lIns="0" bIns="0" rIns="0"/>
+            <a:bodyPr lIns="0" tIns="0" rIns="0" bIns="0" rtlCol="0" anchor="b"/>
             <a:lstStyle/>
             <a:p>
               <a:pPr algn="ctr">
@@ -6074,7 +6347,7 @@
                 </a:lnSpc>
               </a:pPr>
               <a:r>
-                <a:rPr lang="en-US" sz="4800" b="true">
+                <a:rPr lang="en-US" sz="4800" b="1">
                   <a:solidFill>
                     <a:srgbClr val="1CADE4"/>
                   </a:solidFill>
@@ -6091,12 +6364,12 @@
       </p:grpSp>
       <p:grpSp>
         <p:nvGrpSpPr>
-          <p:cNvPr name="Group 12" id="12"/>
+          <p:cNvPr id="12" name="Group 12"/>
           <p:cNvGrpSpPr/>
           <p:nvPr/>
         </p:nvGrpSpPr>
         <p:grpSpPr>
-          <a:xfrm rot="0">
+          <a:xfrm>
             <a:off x="1028700" y="1826516"/>
             <a:ext cx="16544422" cy="7654367"/>
             <a:chOff x="0" y="0"/>
@@ -6105,12 +6378,12 @@
         </p:grpSpPr>
         <p:sp>
           <p:nvSpPr>
-            <p:cNvPr name="Freeform 13" id="13"/>
+            <p:cNvPr id="13" name="Freeform 13"/>
             <p:cNvSpPr/>
             <p:nvPr/>
           </p:nvSpPr>
           <p:spPr>
-            <a:xfrm flipH="false" flipV="false" rot="0">
+            <a:xfrm>
               <a:off x="0" y="0"/>
               <a:ext cx="22059230" cy="10205823"/>
             </a:xfrm>
@@ -6119,9 +6392,9 @@
               <a:gdLst/>
               <a:ahLst/>
               <a:cxnLst/>
-              <a:rect r="r" b="b" t="t" l="l"/>
+              <a:rect l="l" t="t" r="r" b="b"/>
               <a:pathLst>
-                <a:path h="10205823" w="22059230">
+                <a:path w="22059230" h="10205823">
                   <a:moveTo>
                     <a:pt x="0" y="0"/>
                   </a:moveTo>
@@ -6144,11 +6417,18 @@
               </a:srgbClr>
             </a:solidFill>
           </p:spPr>
+          <p:txBody>
+            <a:bodyPr/>
+            <a:lstStyle/>
+            <a:p>
+              <a:endParaRPr lang="en-US"/>
+            </a:p>
+          </p:txBody>
         </p:sp>
         <p:sp>
           <p:nvSpPr>
-            <p:cNvPr name="TextBox 14" id="14"/>
-            <p:cNvSpPr txBox="true"/>
+            <p:cNvPr id="14" name="TextBox 14"/>
+            <p:cNvSpPr txBox="1"/>
             <p:nvPr/>
           </p:nvSpPr>
           <p:spPr>
@@ -6161,7 +6441,7 @@
             </a:prstGeom>
           </p:spPr>
           <p:txBody>
-            <a:bodyPr anchor="ctr" rtlCol="false" tIns="0" lIns="0" bIns="0" rIns="0"/>
+            <a:bodyPr lIns="0" tIns="0" rIns="0" bIns="0" rtlCol="0" anchor="ctr"/>
             <a:lstStyle/>
             <a:p>
               <a:pPr algn="l">
@@ -6170,7 +6450,7 @@
                 </a:lnSpc>
               </a:pPr>
               <a:r>
-                <a:rPr lang="en-US" sz="2700" b="true">
+                <a:rPr lang="en-US" sz="2700" b="1">
                   <a:solidFill>
                     <a:srgbClr val="404040"/>
                   </a:solidFill>
@@ -6189,7 +6469,7 @@
                 </a:lnSpc>
               </a:pPr>
               <a:r>
-                <a:rPr lang="en-US" sz="2700" b="true">
+                <a:rPr lang="en-US" sz="2700" b="1">
                   <a:solidFill>
                     <a:srgbClr val="404040"/>
                   </a:solidFill>
@@ -6202,7 +6482,7 @@
               </a:r>
             </a:p>
             <a:p>
-              <a:pPr algn="l" marL="582938" indent="-291469" lvl="1">
+              <a:pPr marL="582938" lvl="1" indent="-291469" algn="l">
                 <a:lnSpc>
                   <a:spcPts val="3564"/>
                 </a:lnSpc>
@@ -6229,7 +6509,7 @@
                 </a:lnSpc>
               </a:pPr>
               <a:r>
-                <a:rPr lang="en-US" sz="2700" b="true">
+                <a:rPr lang="en-US" sz="2700" b="1">
                   <a:solidFill>
                     <a:srgbClr val="404040"/>
                   </a:solidFill>
@@ -6242,7 +6522,7 @@
               </a:r>
             </a:p>
             <a:p>
-              <a:pPr algn="l" marL="582938" indent="-291469" lvl="1">
+              <a:pPr marL="582938" lvl="1" indent="-291469" algn="l">
                 <a:lnSpc>
                   <a:spcPts val="3564"/>
                 </a:lnSpc>
@@ -6269,7 +6549,7 @@
                 </a:lnSpc>
               </a:pPr>
               <a:r>
-                <a:rPr lang="en-US" sz="2700" b="true">
+                <a:rPr lang="en-US" sz="2700" b="1">
                   <a:solidFill>
                     <a:srgbClr val="404040"/>
                   </a:solidFill>
@@ -6282,7 +6562,7 @@
               </a:r>
             </a:p>
             <a:p>
-              <a:pPr algn="l" marL="582938" indent="-291469" lvl="1">
+              <a:pPr marL="582938" lvl="1" indent="-291469" algn="l">
                 <a:lnSpc>
                   <a:spcPts val="3564"/>
                 </a:lnSpc>
@@ -6309,7 +6589,7 @@
                 </a:lnSpc>
               </a:pPr>
               <a:r>
-                <a:rPr lang="en-US" sz="2700" b="true">
+                <a:rPr lang="en-US" sz="2700" b="1">
                   <a:solidFill>
                     <a:srgbClr val="404040"/>
                   </a:solidFill>
@@ -6322,7 +6602,7 @@
               </a:r>
             </a:p>
             <a:p>
-              <a:pPr algn="l" marL="582938" indent="-291469" lvl="1">
+              <a:pPr marL="582938" lvl="1" indent="-291469" algn="l">
                 <a:lnSpc>
                   <a:spcPts val="3564"/>
                 </a:lnSpc>
@@ -6349,7 +6629,7 @@
                 </a:lnSpc>
               </a:pPr>
               <a:r>
-                <a:rPr lang="en-US" sz="2700" b="true">
+                <a:rPr lang="en-US" sz="2700" b="1">
                   <a:solidFill>
                     <a:srgbClr val="404040"/>
                   </a:solidFill>
@@ -6362,7 +6642,7 @@
               </a:r>
             </a:p>
             <a:p>
-              <a:pPr algn="l" marL="582938" indent="-291469" lvl="1">
+              <a:pPr marL="582938" lvl="1" indent="-291469" algn="l">
                 <a:lnSpc>
                   <a:spcPts val="3564"/>
                 </a:lnSpc>
@@ -6389,7 +6669,7 @@
                 </a:lnSpc>
               </a:pPr>
               <a:r>
-                <a:rPr lang="en-US" sz="2700" b="true">
+                <a:rPr lang="en-US" sz="2700" b="1">
                   <a:solidFill>
                     <a:srgbClr val="404040"/>
                   </a:solidFill>
@@ -6402,7 +6682,7 @@
               </a:r>
             </a:p>
             <a:p>
-              <a:pPr algn="l" marL="582938" indent="-291469" lvl="1">
+              <a:pPr marL="582938" lvl="1" indent="-291469" algn="l">
                 <a:lnSpc>
                   <a:spcPts val="3564"/>
                 </a:lnSpc>
@@ -6429,7 +6709,7 @@
                 </a:lnSpc>
               </a:pPr>
               <a:r>
-                <a:rPr lang="en-US" sz="2700" b="true">
+                <a:rPr lang="en-US" sz="2700" b="1">
                   <a:solidFill>
                     <a:srgbClr val="404040"/>
                   </a:solidFill>
@@ -6442,7 +6722,7 @@
               </a:r>
             </a:p>
             <a:p>
-              <a:pPr algn="l" marL="582938" indent="-291469" lvl="1">
+              <a:pPr marL="582938" lvl="1" indent="-291469" algn="l">
                 <a:lnSpc>
                   <a:spcPts val="3564"/>
                 </a:lnSpc>
@@ -6468,6 +6748,15 @@
                   <a:spcPts val="3564"/>
                 </a:lnSpc>
               </a:pPr>
+              <a:endParaRPr lang="en-US" sz="2700">
+                <a:solidFill>
+                  <a:srgbClr val="404040"/>
+                </a:solidFill>
+                <a:latin typeface="ITC Franklin Gothic LT"/>
+                <a:ea typeface="ITC Franklin Gothic LT"/>
+                <a:cs typeface="ITC Franklin Gothic LT"/>
+                <a:sym typeface="ITC Franklin Gothic LT"/>
+              </a:endParaRPr>
             </a:p>
             <a:p>
               <a:pPr algn="l">
@@ -6475,6 +6764,15 @@
                   <a:spcPts val="3564"/>
                 </a:lnSpc>
               </a:pPr>
+              <a:endParaRPr lang="en-US" sz="2700">
+                <a:solidFill>
+                  <a:srgbClr val="404040"/>
+                </a:solidFill>
+                <a:latin typeface="ITC Franklin Gothic LT"/>
+                <a:ea typeface="ITC Franklin Gothic LT"/>
+                <a:cs typeface="ITC Franklin Gothic LT"/>
+                <a:sym typeface="ITC Franklin Gothic LT"/>
+              </a:endParaRPr>
             </a:p>
           </p:txBody>
         </p:sp>
@@ -6488,7 +6786,7 @@
 </file>
 
 <file path=ppt/slides/slide6.xml><?xml version="1.0" encoding="utf-8"?>
-<p:sld xmlns:p="http://schemas.openxmlformats.org/presentationml/2006/main" xmlns:a="http://schemas.openxmlformats.org/drawingml/2006/main" xmlns:r="http://schemas.openxmlformats.org/officeDocument/2006/relationships">
+<p:sld xmlns:a="http://schemas.openxmlformats.org/drawingml/2006/main" xmlns:r="http://schemas.openxmlformats.org/officeDocument/2006/relationships" xmlns:p="http://schemas.openxmlformats.org/presentationml/2006/main">
   <p:cSld>
     <p:spTree>
       <p:nvGrpSpPr>
@@ -6506,12 +6804,12 @@
       </p:grpSpPr>
       <p:grpSp>
         <p:nvGrpSpPr>
-          <p:cNvPr name="Group 2" id="2"/>
+          <p:cNvPr id="2" name="Group 2"/>
           <p:cNvGrpSpPr/>
           <p:nvPr/>
         </p:nvGrpSpPr>
         <p:grpSpPr>
-          <a:xfrm rot="0">
+          <a:xfrm>
             <a:off x="669801" y="685800"/>
             <a:ext cx="5554980" cy="142496"/>
             <a:chOff x="0" y="0"/>
@@ -6520,12 +6818,12 @@
         </p:grpSpPr>
         <p:sp>
           <p:nvSpPr>
-            <p:cNvPr name="Freeform 3" id="3"/>
+            <p:cNvPr id="3" name="Freeform 3"/>
             <p:cNvSpPr/>
             <p:nvPr/>
           </p:nvSpPr>
           <p:spPr>
-            <a:xfrm flipH="false" flipV="false" rot="0">
+            <a:xfrm>
               <a:off x="0" y="0"/>
               <a:ext cx="7406640" cy="189992"/>
             </a:xfrm>
@@ -6534,9 +6832,9 @@
               <a:gdLst/>
               <a:ahLst/>
               <a:cxnLst/>
-              <a:rect r="r" b="b" t="t" l="l"/>
+              <a:rect l="l" t="t" r="r" b="b"/>
               <a:pathLst>
-                <a:path h="189992" w="7406640">
+                <a:path w="7406640" h="189992">
                   <a:moveTo>
                     <a:pt x="0" y="0"/>
                   </a:moveTo>
@@ -6557,16 +6855,23 @@
               <a:srgbClr val="465359"/>
             </a:solidFill>
           </p:spPr>
+          <p:txBody>
+            <a:bodyPr/>
+            <a:lstStyle/>
+            <a:p>
+              <a:endParaRPr lang="en-US"/>
+            </a:p>
+          </p:txBody>
         </p:sp>
       </p:grpSp>
       <p:grpSp>
         <p:nvGrpSpPr>
-          <p:cNvPr name="Group 4" id="4"/>
+          <p:cNvPr id="4" name="Group 4"/>
           <p:cNvGrpSpPr/>
           <p:nvPr/>
         </p:nvGrpSpPr>
         <p:grpSpPr>
-          <a:xfrm rot="0">
+          <a:xfrm>
             <a:off x="12063220" y="680464"/>
             <a:ext cx="5554980" cy="147831"/>
             <a:chOff x="0" y="0"/>
@@ -6575,12 +6880,12 @@
         </p:grpSpPr>
         <p:sp>
           <p:nvSpPr>
-            <p:cNvPr name="Freeform 5" id="5"/>
+            <p:cNvPr id="5" name="Freeform 5"/>
             <p:cNvSpPr/>
             <p:nvPr/>
           </p:nvSpPr>
           <p:spPr>
-            <a:xfrm flipH="false" flipV="false" rot="0">
+            <a:xfrm>
               <a:off x="0" y="0"/>
               <a:ext cx="7406640" cy="197104"/>
             </a:xfrm>
@@ -6589,9 +6894,9 @@
               <a:gdLst/>
               <a:ahLst/>
               <a:cxnLst/>
-              <a:rect r="r" b="b" t="t" l="l"/>
+              <a:rect l="l" t="t" r="r" b="b"/>
               <a:pathLst>
-                <a:path h="197104" w="7406640">
+                <a:path w="7406640" h="197104">
                   <a:moveTo>
                     <a:pt x="0" y="0"/>
                   </a:moveTo>
@@ -6612,16 +6917,23 @@
               <a:srgbClr val="969FA7"/>
             </a:solidFill>
           </p:spPr>
+          <p:txBody>
+            <a:bodyPr/>
+            <a:lstStyle/>
+            <a:p>
+              <a:endParaRPr lang="en-US"/>
+            </a:p>
+          </p:txBody>
         </p:sp>
       </p:grpSp>
       <p:grpSp>
         <p:nvGrpSpPr>
-          <p:cNvPr name="Group 6" id="6"/>
+          <p:cNvPr id="6" name="Group 6"/>
           <p:cNvGrpSpPr/>
           <p:nvPr/>
         </p:nvGrpSpPr>
         <p:grpSpPr>
-          <a:xfrm rot="0">
+          <a:xfrm>
             <a:off x="6362745" y="685800"/>
             <a:ext cx="5554980" cy="137160"/>
             <a:chOff x="0" y="0"/>
@@ -6630,12 +6942,12 @@
         </p:grpSpPr>
         <p:sp>
           <p:nvSpPr>
-            <p:cNvPr name="Freeform 7" id="7"/>
+            <p:cNvPr id="7" name="Freeform 7"/>
             <p:cNvSpPr/>
             <p:nvPr/>
           </p:nvSpPr>
           <p:spPr>
-            <a:xfrm flipH="false" flipV="false" rot="0">
+            <a:xfrm>
               <a:off x="0" y="0"/>
               <a:ext cx="7406640" cy="182880"/>
             </a:xfrm>
@@ -6644,9 +6956,9 @@
               <a:gdLst/>
               <a:ahLst/>
               <a:cxnLst/>
-              <a:rect r="r" b="b" t="t" l="l"/>
+              <a:rect l="l" t="t" r="r" b="b"/>
               <a:pathLst>
-                <a:path h="182880" w="7406640">
+                <a:path w="7406640" h="182880">
                   <a:moveTo>
                     <a:pt x="0" y="0"/>
                   </a:moveTo>
@@ -6667,16 +6979,23 @@
               <a:srgbClr val="1CADE4"/>
             </a:solidFill>
           </p:spPr>
+          <p:txBody>
+            <a:bodyPr/>
+            <a:lstStyle/>
+            <a:p>
+              <a:endParaRPr lang="en-US"/>
+            </a:p>
+          </p:txBody>
         </p:sp>
       </p:grpSp>
       <p:sp>
         <p:nvSpPr>
-          <p:cNvPr name="Freeform 8" id="8" descr="Logo  Description automatically generated"/>
+          <p:cNvPr id="8" name="Freeform 8" descr="Logo  Description automatically generated"/>
           <p:cNvSpPr/>
           <p:nvPr/>
         </p:nvSpPr>
         <p:spPr>
-          <a:xfrm flipH="false" flipV="false" rot="0">
+          <a:xfrm>
             <a:off x="15727505" y="9656865"/>
             <a:ext cx="1688707" cy="547689"/>
           </a:xfrm>
@@ -6685,9 +7004,9 @@
             <a:gdLst/>
             <a:ahLst/>
             <a:cxnLst/>
-            <a:rect r="r" b="b" t="t" l="l"/>
+            <a:rect l="l" t="t" r="r" b="b"/>
             <a:pathLst>
-              <a:path h="547689" w="1688707">
+              <a:path w="1688707" h="547689">
                 <a:moveTo>
                   <a:pt x="0" y="0"/>
                 </a:moveTo>
@@ -6710,19 +7029,26 @@
           <a:blipFill>
             <a:blip r:embed="rId2"/>
             <a:stretch>
-              <a:fillRect l="0" t="-141" r="0" b="-141"/>
+              <a:fillRect t="-141" b="-141"/>
             </a:stretch>
           </a:blipFill>
         </p:spPr>
+        <p:txBody>
+          <a:bodyPr/>
+          <a:lstStyle/>
+          <a:p>
+            <a:endParaRPr lang="en-US"/>
+          </a:p>
+        </p:txBody>
       </p:sp>
       <p:grpSp>
         <p:nvGrpSpPr>
-          <p:cNvPr name="Group 9" id="9"/>
+          <p:cNvPr id="9" name="Group 9"/>
           <p:cNvGrpSpPr/>
           <p:nvPr/>
         </p:nvGrpSpPr>
         <p:grpSpPr>
-          <a:xfrm rot="0">
+          <a:xfrm>
             <a:off x="871788" y="1053234"/>
             <a:ext cx="16544424" cy="795444"/>
             <a:chOff x="0" y="0"/>
@@ -6731,12 +7057,12 @@
         </p:grpSpPr>
         <p:sp>
           <p:nvSpPr>
-            <p:cNvPr name="Freeform 10" id="10"/>
+            <p:cNvPr id="10" name="Freeform 10"/>
             <p:cNvSpPr/>
             <p:nvPr/>
           </p:nvSpPr>
           <p:spPr>
-            <a:xfrm flipH="false" flipV="false" rot="0">
+            <a:xfrm>
               <a:off x="0" y="0"/>
               <a:ext cx="22059232" cy="1060592"/>
             </a:xfrm>
@@ -6745,9 +7071,9 @@
               <a:gdLst/>
               <a:ahLst/>
               <a:cxnLst/>
-              <a:rect r="r" b="b" t="t" l="l"/>
+              <a:rect l="l" t="t" r="r" b="b"/>
               <a:pathLst>
-                <a:path h="1060592" w="22059232">
+                <a:path w="22059232" h="1060592">
                   <a:moveTo>
                     <a:pt x="0" y="0"/>
                   </a:moveTo>
@@ -6770,11 +7096,18 @@
               </a:srgbClr>
             </a:solidFill>
           </p:spPr>
+          <p:txBody>
+            <a:bodyPr/>
+            <a:lstStyle/>
+            <a:p>
+              <a:endParaRPr lang="en-US"/>
+            </a:p>
+          </p:txBody>
         </p:sp>
         <p:sp>
           <p:nvSpPr>
-            <p:cNvPr name="TextBox 11" id="11"/>
-            <p:cNvSpPr txBox="true"/>
+            <p:cNvPr id="11" name="TextBox 11"/>
+            <p:cNvSpPr txBox="1"/>
             <p:nvPr/>
           </p:nvSpPr>
           <p:spPr>
@@ -6787,7 +7120,7 @@
             </a:prstGeom>
           </p:spPr>
           <p:txBody>
-            <a:bodyPr anchor="b" rtlCol="false" tIns="0" lIns="0" bIns="0" rIns="0"/>
+            <a:bodyPr lIns="0" tIns="0" rIns="0" bIns="0" rtlCol="0" anchor="b"/>
             <a:lstStyle/>
             <a:p>
               <a:pPr algn="ctr">
@@ -6813,12 +7146,12 @@
       </p:grpSp>
       <p:grpSp>
         <p:nvGrpSpPr>
-          <p:cNvPr name="Group 12" id="12"/>
+          <p:cNvPr id="12" name="Group 12"/>
           <p:cNvGrpSpPr/>
           <p:nvPr/>
         </p:nvGrpSpPr>
         <p:grpSpPr>
-          <a:xfrm rot="0">
+          <a:xfrm>
             <a:off x="669801" y="1848678"/>
             <a:ext cx="17137944" cy="7009986"/>
             <a:chOff x="0" y="0"/>
@@ -6827,12 +7160,12 @@
         </p:grpSpPr>
         <p:sp>
           <p:nvSpPr>
-            <p:cNvPr name="Freeform 13" id="13"/>
+            <p:cNvPr id="13" name="Freeform 13"/>
             <p:cNvSpPr/>
             <p:nvPr/>
           </p:nvSpPr>
           <p:spPr>
-            <a:xfrm flipH="false" flipV="false" rot="0">
+            <a:xfrm>
               <a:off x="0" y="0"/>
               <a:ext cx="22850593" cy="9346648"/>
             </a:xfrm>
@@ -6841,9 +7174,9 @@
               <a:gdLst/>
               <a:ahLst/>
               <a:cxnLst/>
-              <a:rect r="r" b="b" t="t" l="l"/>
+              <a:rect l="l" t="t" r="r" b="b"/>
               <a:pathLst>
-                <a:path h="9346648" w="22850593">
+                <a:path w="22850593" h="9346648">
                   <a:moveTo>
                     <a:pt x="0" y="0"/>
                   </a:moveTo>
@@ -6866,11 +7199,18 @@
               </a:srgbClr>
             </a:solidFill>
           </p:spPr>
+          <p:txBody>
+            <a:bodyPr/>
+            <a:lstStyle/>
+            <a:p>
+              <a:endParaRPr lang="en-US"/>
+            </a:p>
+          </p:txBody>
         </p:sp>
         <p:sp>
           <p:nvSpPr>
-            <p:cNvPr name="TextBox 14" id="14"/>
-            <p:cNvSpPr txBox="true"/>
+            <p:cNvPr id="14" name="TextBox 14"/>
+            <p:cNvSpPr txBox="1"/>
             <p:nvPr/>
           </p:nvSpPr>
           <p:spPr>
@@ -6883,10 +7223,10 @@
             </a:prstGeom>
           </p:spPr>
           <p:txBody>
-            <a:bodyPr anchor="ctr" rtlCol="false" tIns="0" lIns="0" bIns="0" rIns="0"/>
+            <a:bodyPr lIns="0" tIns="0" rIns="0" bIns="0" rtlCol="0" anchor="ctr"/>
             <a:lstStyle/>
             <a:p>
-              <a:pPr algn="l" marL="651510" indent="-325755" lvl="1">
+              <a:pPr marL="651510" lvl="1" indent="-325755" algn="l">
                 <a:lnSpc>
                   <a:spcPts val="4752"/>
                 </a:lnSpc>
@@ -6906,7 +7246,7 @@
                 <a:t>This </a:t>
               </a:r>
               <a:r>
-                <a:rPr lang="en-US" b="true" sz="3600">
+                <a:rPr lang="en-US" sz="3600" b="1">
                   <a:solidFill>
                     <a:srgbClr val="404040"/>
                   </a:solidFill>
@@ -6931,7 +7271,7 @@
               </a:r>
             </a:p>
             <a:p>
-              <a:pPr algn="l" marL="651510" indent="-325755" lvl="1">
+              <a:pPr marL="651510" lvl="1" indent="-325755" algn="l">
                 <a:lnSpc>
                   <a:spcPts val="4752"/>
                 </a:lnSpc>
@@ -6949,7 +7289,7 @@
                 <a:t>🔹 </a:t>
               </a:r>
               <a:r>
-                <a:rPr lang="en-US" b="true" sz="3600">
+                <a:rPr lang="en-US" sz="3600" b="1">
                   <a:solidFill>
                     <a:srgbClr val="404040"/>
                   </a:solidFill>
@@ -6974,7 +7314,7 @@
               </a:r>
             </a:p>
             <a:p>
-              <a:pPr algn="l" marL="651510" indent="-325755" lvl="1">
+              <a:pPr marL="651510" lvl="1" indent="-325755" algn="l">
                 <a:lnSpc>
                   <a:spcPts val="4752"/>
                 </a:lnSpc>
@@ -6992,7 +7332,7 @@
                 <a:t>🔹 </a:t>
               </a:r>
               <a:r>
-                <a:rPr lang="en-US" b="true" sz="3600">
+                <a:rPr lang="en-US" sz="3600" b="1">
                   <a:solidFill>
                     <a:srgbClr val="404040"/>
                   </a:solidFill>
@@ -7017,7 +7357,7 @@
               </a:r>
             </a:p>
             <a:p>
-              <a:pPr algn="l" marL="651510" indent="-325755" lvl="1">
+              <a:pPr marL="651510" lvl="1" indent="-325755" algn="l">
                 <a:lnSpc>
                   <a:spcPts val="4752"/>
                 </a:lnSpc>
@@ -7035,7 +7375,7 @@
                 <a:t>🔹 </a:t>
               </a:r>
               <a:r>
-                <a:rPr lang="en-US" b="true" sz="3600">
+                <a:rPr lang="en-US" sz="3600" b="1">
                   <a:solidFill>
                     <a:srgbClr val="404040"/>
                   </a:solidFill>
@@ -7060,7 +7400,7 @@
               </a:r>
             </a:p>
             <a:p>
-              <a:pPr algn="l" marL="651510" indent="-325755" lvl="1">
+              <a:pPr marL="651510" lvl="1" indent="-325755" algn="l">
                 <a:lnSpc>
                   <a:spcPts val="4752"/>
                 </a:lnSpc>
@@ -7078,7 +7418,7 @@
                 <a:t>🔹 </a:t>
               </a:r>
               <a:r>
-                <a:rPr lang="en-US" b="true" sz="3600">
+                <a:rPr lang="en-US" sz="3600" b="1">
                   <a:solidFill>
                     <a:srgbClr val="404040"/>
                   </a:solidFill>
@@ -7103,11 +7443,20 @@
               </a:r>
             </a:p>
             <a:p>
-              <a:pPr algn="l" marL="651510" indent="-325755" lvl="1">
+              <a:pPr marL="651510" lvl="1" indent="-325755" algn="l">
                 <a:lnSpc>
                   <a:spcPts val="4752"/>
                 </a:lnSpc>
               </a:pPr>
+              <a:endParaRPr lang="en-US" sz="3600">
+                <a:solidFill>
+                  <a:srgbClr val="404040"/>
+                </a:solidFill>
+                <a:latin typeface="ITC Franklin Gothic LT"/>
+                <a:ea typeface="ITC Franklin Gothic LT"/>
+                <a:cs typeface="ITC Franklin Gothic LT"/>
+                <a:sym typeface="ITC Franklin Gothic LT"/>
+              </a:endParaRPr>
             </a:p>
           </p:txBody>
         </p:sp>
@@ -7121,7 +7470,7 @@
 </file>
 
 <file path=ppt/slides/slide7.xml><?xml version="1.0" encoding="utf-8"?>
-<p:sld xmlns:p="http://schemas.openxmlformats.org/presentationml/2006/main" xmlns:a="http://schemas.openxmlformats.org/drawingml/2006/main" xmlns:r="http://schemas.openxmlformats.org/officeDocument/2006/relationships">
+<p:sld xmlns:a="http://schemas.openxmlformats.org/drawingml/2006/main" xmlns:r="http://schemas.openxmlformats.org/officeDocument/2006/relationships" xmlns:p="http://schemas.openxmlformats.org/presentationml/2006/main">
   <p:cSld>
     <p:spTree>
       <p:nvGrpSpPr>
@@ -7139,12 +7488,12 @@
       </p:grpSpPr>
       <p:grpSp>
         <p:nvGrpSpPr>
-          <p:cNvPr name="Group 2" id="2"/>
+          <p:cNvPr id="2" name="Group 2"/>
           <p:cNvGrpSpPr/>
           <p:nvPr/>
         </p:nvGrpSpPr>
         <p:grpSpPr>
-          <a:xfrm rot="0">
+          <a:xfrm>
             <a:off x="669801" y="685800"/>
             <a:ext cx="5554980" cy="142496"/>
             <a:chOff x="0" y="0"/>
@@ -7153,12 +7502,12 @@
         </p:grpSpPr>
         <p:sp>
           <p:nvSpPr>
-            <p:cNvPr name="Freeform 3" id="3"/>
+            <p:cNvPr id="3" name="Freeform 3"/>
             <p:cNvSpPr/>
             <p:nvPr/>
           </p:nvSpPr>
           <p:spPr>
-            <a:xfrm flipH="false" flipV="false" rot="0">
+            <a:xfrm>
               <a:off x="0" y="0"/>
               <a:ext cx="7406640" cy="189992"/>
             </a:xfrm>
@@ -7167,9 +7516,9 @@
               <a:gdLst/>
               <a:ahLst/>
               <a:cxnLst/>
-              <a:rect r="r" b="b" t="t" l="l"/>
+              <a:rect l="l" t="t" r="r" b="b"/>
               <a:pathLst>
-                <a:path h="189992" w="7406640">
+                <a:path w="7406640" h="189992">
                   <a:moveTo>
                     <a:pt x="0" y="0"/>
                   </a:moveTo>
@@ -7190,16 +7539,23 @@
               <a:srgbClr val="465359"/>
             </a:solidFill>
           </p:spPr>
+          <p:txBody>
+            <a:bodyPr/>
+            <a:lstStyle/>
+            <a:p>
+              <a:endParaRPr lang="en-US"/>
+            </a:p>
+          </p:txBody>
         </p:sp>
       </p:grpSp>
       <p:grpSp>
         <p:nvGrpSpPr>
-          <p:cNvPr name="Group 4" id="4"/>
+          <p:cNvPr id="4" name="Group 4"/>
           <p:cNvGrpSpPr/>
           <p:nvPr/>
         </p:nvGrpSpPr>
         <p:grpSpPr>
-          <a:xfrm rot="0">
+          <a:xfrm>
             <a:off x="12063220" y="680464"/>
             <a:ext cx="5554980" cy="147831"/>
             <a:chOff x="0" y="0"/>
@@ -7208,12 +7564,12 @@
         </p:grpSpPr>
         <p:sp>
           <p:nvSpPr>
-            <p:cNvPr name="Freeform 5" id="5"/>
+            <p:cNvPr id="5" name="Freeform 5"/>
             <p:cNvSpPr/>
             <p:nvPr/>
           </p:nvSpPr>
           <p:spPr>
-            <a:xfrm flipH="false" flipV="false" rot="0">
+            <a:xfrm>
               <a:off x="0" y="0"/>
               <a:ext cx="7406640" cy="197104"/>
             </a:xfrm>
@@ -7222,9 +7578,9 @@
               <a:gdLst/>
               <a:ahLst/>
               <a:cxnLst/>
-              <a:rect r="r" b="b" t="t" l="l"/>
+              <a:rect l="l" t="t" r="r" b="b"/>
               <a:pathLst>
-                <a:path h="197104" w="7406640">
+                <a:path w="7406640" h="197104">
                   <a:moveTo>
                     <a:pt x="0" y="0"/>
                   </a:moveTo>
@@ -7245,16 +7601,23 @@
               <a:srgbClr val="969FA7"/>
             </a:solidFill>
           </p:spPr>
+          <p:txBody>
+            <a:bodyPr/>
+            <a:lstStyle/>
+            <a:p>
+              <a:endParaRPr lang="en-US"/>
+            </a:p>
+          </p:txBody>
         </p:sp>
       </p:grpSp>
       <p:grpSp>
         <p:nvGrpSpPr>
-          <p:cNvPr name="Group 6" id="6"/>
+          <p:cNvPr id="6" name="Group 6"/>
           <p:cNvGrpSpPr/>
           <p:nvPr/>
         </p:nvGrpSpPr>
         <p:grpSpPr>
-          <a:xfrm rot="0">
+          <a:xfrm>
             <a:off x="6362745" y="685800"/>
             <a:ext cx="5554980" cy="137160"/>
             <a:chOff x="0" y="0"/>
@@ -7263,12 +7626,12 @@
         </p:grpSpPr>
         <p:sp>
           <p:nvSpPr>
-            <p:cNvPr name="Freeform 7" id="7"/>
+            <p:cNvPr id="7" name="Freeform 7"/>
             <p:cNvSpPr/>
             <p:nvPr/>
           </p:nvSpPr>
           <p:spPr>
-            <a:xfrm flipH="false" flipV="false" rot="0">
+            <a:xfrm>
               <a:off x="0" y="0"/>
               <a:ext cx="7406640" cy="182880"/>
             </a:xfrm>
@@ -7277,9 +7640,9 @@
               <a:gdLst/>
               <a:ahLst/>
               <a:cxnLst/>
-              <a:rect r="r" b="b" t="t" l="l"/>
+              <a:rect l="l" t="t" r="r" b="b"/>
               <a:pathLst>
-                <a:path h="182880" w="7406640">
+                <a:path w="7406640" h="182880">
                   <a:moveTo>
                     <a:pt x="0" y="0"/>
                   </a:moveTo>
@@ -7300,16 +7663,23 @@
               <a:srgbClr val="1CADE4"/>
             </a:solidFill>
           </p:spPr>
+          <p:txBody>
+            <a:bodyPr/>
+            <a:lstStyle/>
+            <a:p>
+              <a:endParaRPr lang="en-US"/>
+            </a:p>
+          </p:txBody>
         </p:sp>
       </p:grpSp>
       <p:sp>
         <p:nvSpPr>
-          <p:cNvPr name="Freeform 8" id="8" descr="Logo  Description automatically generated"/>
+          <p:cNvPr id="8" name="Freeform 8" descr="Logo  Description automatically generated"/>
           <p:cNvSpPr/>
           <p:nvPr/>
         </p:nvSpPr>
         <p:spPr>
-          <a:xfrm flipH="false" flipV="false" rot="0">
+          <a:xfrm>
             <a:off x="15727505" y="9656865"/>
             <a:ext cx="1688707" cy="547689"/>
           </a:xfrm>
@@ -7318,9 +7688,9 @@
             <a:gdLst/>
             <a:ahLst/>
             <a:cxnLst/>
-            <a:rect r="r" b="b" t="t" l="l"/>
+            <a:rect l="l" t="t" r="r" b="b"/>
             <a:pathLst>
-              <a:path h="547689" w="1688707">
+              <a:path w="1688707" h="547689">
                 <a:moveTo>
                   <a:pt x="0" y="0"/>
                 </a:moveTo>
@@ -7343,19 +7713,26 @@
           <a:blipFill>
             <a:blip r:embed="rId2"/>
             <a:stretch>
-              <a:fillRect l="0" t="-141" r="0" b="-141"/>
+              <a:fillRect t="-141" b="-141"/>
             </a:stretch>
           </a:blipFill>
         </p:spPr>
+        <p:txBody>
+          <a:bodyPr/>
+          <a:lstStyle/>
+          <a:p>
+            <a:endParaRPr lang="en-US"/>
+          </a:p>
+        </p:txBody>
       </p:sp>
       <p:grpSp>
         <p:nvGrpSpPr>
-          <p:cNvPr name="Group 9" id="9"/>
+          <p:cNvPr id="9" name="Group 9"/>
           <p:cNvGrpSpPr/>
           <p:nvPr/>
         </p:nvGrpSpPr>
         <p:grpSpPr>
-          <a:xfrm rot="0">
+          <a:xfrm>
             <a:off x="871788" y="1053234"/>
             <a:ext cx="16544424" cy="795444"/>
             <a:chOff x="0" y="0"/>
@@ -7364,12 +7741,12 @@
         </p:grpSpPr>
         <p:sp>
           <p:nvSpPr>
-            <p:cNvPr name="Freeform 10" id="10"/>
+            <p:cNvPr id="10" name="Freeform 10"/>
             <p:cNvSpPr/>
             <p:nvPr/>
           </p:nvSpPr>
           <p:spPr>
-            <a:xfrm flipH="false" flipV="false" rot="0">
+            <a:xfrm>
               <a:off x="0" y="0"/>
               <a:ext cx="22059232" cy="1060592"/>
             </a:xfrm>
@@ -7378,9 +7755,9 @@
               <a:gdLst/>
               <a:ahLst/>
               <a:cxnLst/>
-              <a:rect r="r" b="b" t="t" l="l"/>
+              <a:rect l="l" t="t" r="r" b="b"/>
               <a:pathLst>
-                <a:path h="1060592" w="22059232">
+                <a:path w="22059232" h="1060592">
                   <a:moveTo>
                     <a:pt x="0" y="0"/>
                   </a:moveTo>
@@ -7403,11 +7780,18 @@
               </a:srgbClr>
             </a:solidFill>
           </p:spPr>
+          <p:txBody>
+            <a:bodyPr/>
+            <a:lstStyle/>
+            <a:p>
+              <a:endParaRPr lang="en-US"/>
+            </a:p>
+          </p:txBody>
         </p:sp>
         <p:sp>
           <p:nvSpPr>
-            <p:cNvPr name="TextBox 11" id="11"/>
-            <p:cNvSpPr txBox="true"/>
+            <p:cNvPr id="11" name="TextBox 11"/>
+            <p:cNvSpPr txBox="1"/>
             <p:nvPr/>
           </p:nvSpPr>
           <p:spPr>
@@ -7420,7 +7804,7 @@
             </a:prstGeom>
           </p:spPr>
           <p:txBody>
-            <a:bodyPr anchor="b" rtlCol="false" tIns="0" lIns="0" bIns="0" rIns="0"/>
+            <a:bodyPr lIns="0" tIns="0" rIns="0" bIns="0" rtlCol="0" anchor="b"/>
             <a:lstStyle/>
             <a:p>
               <a:pPr algn="l">
@@ -7446,12 +7830,12 @@
       </p:grpSp>
       <p:sp>
         <p:nvSpPr>
-          <p:cNvPr name="Freeform 12" id="12"/>
+          <p:cNvPr id="12" name="Freeform 12"/>
           <p:cNvSpPr/>
           <p:nvPr/>
         </p:nvSpPr>
         <p:spPr>
-          <a:xfrm flipH="false" flipV="false" rot="0">
+          <a:xfrm>
             <a:off x="871788" y="2060297"/>
             <a:ext cx="8458203" cy="7369209"/>
           </a:xfrm>
@@ -7460,9 +7844,9 @@
             <a:gdLst/>
             <a:ahLst/>
             <a:cxnLst/>
-            <a:rect r="r" b="b" t="t" l="l"/>
+            <a:rect l="l" t="t" r="r" b="b"/>
             <a:pathLst>
-              <a:path h="7369209" w="8458203">
+              <a:path w="8458203" h="7369209">
                 <a:moveTo>
                   <a:pt x="0" y="0"/>
                 </a:moveTo>
@@ -7485,19 +7869,26 @@
           <a:blipFill>
             <a:blip r:embed="rId3"/>
             <a:stretch>
-              <a:fillRect l="0" t="0" r="0" b="0"/>
+              <a:fillRect/>
             </a:stretch>
           </a:blipFill>
         </p:spPr>
+        <p:txBody>
+          <a:bodyPr/>
+          <a:lstStyle/>
+          <a:p>
+            <a:endParaRPr lang="en-US"/>
+          </a:p>
+        </p:txBody>
       </p:sp>
       <p:sp>
         <p:nvSpPr>
-          <p:cNvPr name="Freeform 13" id="13"/>
+          <p:cNvPr id="13" name="Freeform 13"/>
           <p:cNvSpPr/>
           <p:nvPr/>
         </p:nvSpPr>
         <p:spPr>
-          <a:xfrm flipH="false" flipV="false" rot="0">
+          <a:xfrm>
             <a:off x="9480260" y="2060297"/>
             <a:ext cx="8278598" cy="5708451"/>
           </a:xfrm>
@@ -7506,9 +7897,9 @@
             <a:gdLst/>
             <a:ahLst/>
             <a:cxnLst/>
-            <a:rect r="r" b="b" t="t" l="l"/>
+            <a:rect l="l" t="t" r="r" b="b"/>
             <a:pathLst>
-              <a:path h="5708451" w="8278598">
+              <a:path w="8278598" h="5708451">
                 <a:moveTo>
                   <a:pt x="0" y="0"/>
                 </a:moveTo>
@@ -7531,10 +7922,17 @@
           <a:blipFill>
             <a:blip r:embed="rId4"/>
             <a:stretch>
-              <a:fillRect l="0" t="0" r="0" b="-3510"/>
+              <a:fillRect b="-3510"/>
             </a:stretch>
           </a:blipFill>
         </p:spPr>
+        <p:txBody>
+          <a:bodyPr/>
+          <a:lstStyle/>
+          <a:p>
+            <a:endParaRPr lang="en-US"/>
+          </a:p>
+        </p:txBody>
       </p:sp>
     </p:spTree>
   </p:cSld>
@@ -7545,7 +7943,7 @@
 </file>
 
 <file path=ppt/slides/slide8.xml><?xml version="1.0" encoding="utf-8"?>
-<p:sld xmlns:p="http://schemas.openxmlformats.org/presentationml/2006/main" xmlns:a="http://schemas.openxmlformats.org/drawingml/2006/main" xmlns:r="http://schemas.openxmlformats.org/officeDocument/2006/relationships">
+<p:sld xmlns:a="http://schemas.openxmlformats.org/drawingml/2006/main" xmlns:r="http://schemas.openxmlformats.org/officeDocument/2006/relationships" xmlns:p="http://schemas.openxmlformats.org/presentationml/2006/main">
   <p:cSld>
     <p:spTree>
       <p:nvGrpSpPr>
@@ -7563,12 +7961,12 @@
       </p:grpSpPr>
       <p:grpSp>
         <p:nvGrpSpPr>
-          <p:cNvPr name="Group 2" id="2"/>
+          <p:cNvPr id="2" name="Group 2"/>
           <p:cNvGrpSpPr/>
           <p:nvPr/>
         </p:nvGrpSpPr>
         <p:grpSpPr>
-          <a:xfrm rot="0">
+          <a:xfrm>
             <a:off x="669801" y="685800"/>
             <a:ext cx="5554980" cy="142496"/>
             <a:chOff x="0" y="0"/>
@@ -7577,12 +7975,12 @@
         </p:grpSpPr>
         <p:sp>
           <p:nvSpPr>
-            <p:cNvPr name="Freeform 3" id="3"/>
+            <p:cNvPr id="3" name="Freeform 3"/>
             <p:cNvSpPr/>
             <p:nvPr/>
           </p:nvSpPr>
           <p:spPr>
-            <a:xfrm flipH="false" flipV="false" rot="0">
+            <a:xfrm>
               <a:off x="0" y="0"/>
               <a:ext cx="7406640" cy="189992"/>
             </a:xfrm>
@@ -7591,9 +7989,9 @@
               <a:gdLst/>
               <a:ahLst/>
               <a:cxnLst/>
-              <a:rect r="r" b="b" t="t" l="l"/>
+              <a:rect l="l" t="t" r="r" b="b"/>
               <a:pathLst>
-                <a:path h="189992" w="7406640">
+                <a:path w="7406640" h="189992">
                   <a:moveTo>
                     <a:pt x="0" y="0"/>
                   </a:moveTo>
@@ -7614,16 +8012,23 @@
               <a:srgbClr val="465359"/>
             </a:solidFill>
           </p:spPr>
+          <p:txBody>
+            <a:bodyPr/>
+            <a:lstStyle/>
+            <a:p>
+              <a:endParaRPr lang="en-US"/>
+            </a:p>
+          </p:txBody>
         </p:sp>
       </p:grpSp>
       <p:grpSp>
         <p:nvGrpSpPr>
-          <p:cNvPr name="Group 4" id="4"/>
+          <p:cNvPr id="4" name="Group 4"/>
           <p:cNvGrpSpPr/>
           <p:nvPr/>
         </p:nvGrpSpPr>
         <p:grpSpPr>
-          <a:xfrm rot="0">
+          <a:xfrm>
             <a:off x="12063220" y="680464"/>
             <a:ext cx="5554980" cy="147831"/>
             <a:chOff x="0" y="0"/>
@@ -7632,12 +8037,12 @@
         </p:grpSpPr>
         <p:sp>
           <p:nvSpPr>
-            <p:cNvPr name="Freeform 5" id="5"/>
+            <p:cNvPr id="5" name="Freeform 5"/>
             <p:cNvSpPr/>
             <p:nvPr/>
           </p:nvSpPr>
           <p:spPr>
-            <a:xfrm flipH="false" flipV="false" rot="0">
+            <a:xfrm>
               <a:off x="0" y="0"/>
               <a:ext cx="7406640" cy="197104"/>
             </a:xfrm>
@@ -7646,9 +8051,9 @@
               <a:gdLst/>
               <a:ahLst/>
               <a:cxnLst/>
-              <a:rect r="r" b="b" t="t" l="l"/>
+              <a:rect l="l" t="t" r="r" b="b"/>
               <a:pathLst>
-                <a:path h="197104" w="7406640">
+                <a:path w="7406640" h="197104">
                   <a:moveTo>
                     <a:pt x="0" y="0"/>
                   </a:moveTo>
@@ -7669,16 +8074,23 @@
               <a:srgbClr val="969FA7"/>
             </a:solidFill>
           </p:spPr>
+          <p:txBody>
+            <a:bodyPr/>
+            <a:lstStyle/>
+            <a:p>
+              <a:endParaRPr lang="en-US"/>
+            </a:p>
+          </p:txBody>
         </p:sp>
       </p:grpSp>
       <p:grpSp>
         <p:nvGrpSpPr>
-          <p:cNvPr name="Group 6" id="6"/>
+          <p:cNvPr id="6" name="Group 6"/>
           <p:cNvGrpSpPr/>
           <p:nvPr/>
         </p:nvGrpSpPr>
         <p:grpSpPr>
-          <a:xfrm rot="0">
+          <a:xfrm>
             <a:off x="6362745" y="685800"/>
             <a:ext cx="5554980" cy="137160"/>
             <a:chOff x="0" y="0"/>
@@ -7687,12 +8099,12 @@
         </p:grpSpPr>
         <p:sp>
           <p:nvSpPr>
-            <p:cNvPr name="Freeform 7" id="7"/>
+            <p:cNvPr id="7" name="Freeform 7"/>
             <p:cNvSpPr/>
             <p:nvPr/>
           </p:nvSpPr>
           <p:spPr>
-            <a:xfrm flipH="false" flipV="false" rot="0">
+            <a:xfrm>
               <a:off x="0" y="0"/>
               <a:ext cx="7406640" cy="182880"/>
             </a:xfrm>
@@ -7701,9 +8113,9 @@
               <a:gdLst/>
               <a:ahLst/>
               <a:cxnLst/>
-              <a:rect r="r" b="b" t="t" l="l"/>
+              <a:rect l="l" t="t" r="r" b="b"/>
               <a:pathLst>
-                <a:path h="182880" w="7406640">
+                <a:path w="7406640" h="182880">
                   <a:moveTo>
                     <a:pt x="0" y="0"/>
                   </a:moveTo>
@@ -7724,16 +8136,23 @@
               <a:srgbClr val="1CADE4"/>
             </a:solidFill>
           </p:spPr>
+          <p:txBody>
+            <a:bodyPr/>
+            <a:lstStyle/>
+            <a:p>
+              <a:endParaRPr lang="en-US"/>
+            </a:p>
+          </p:txBody>
         </p:sp>
       </p:grpSp>
       <p:sp>
         <p:nvSpPr>
-          <p:cNvPr name="Freeform 8" id="8" descr="Logo  Description automatically generated"/>
+          <p:cNvPr id="8" name="Freeform 8" descr="Logo  Description automatically generated"/>
           <p:cNvSpPr/>
           <p:nvPr/>
         </p:nvSpPr>
         <p:spPr>
-          <a:xfrm flipH="false" flipV="false" rot="0">
+          <a:xfrm>
             <a:off x="15727505" y="9656865"/>
             <a:ext cx="1688707" cy="547689"/>
           </a:xfrm>
@@ -7742,9 +8161,9 @@
             <a:gdLst/>
             <a:ahLst/>
             <a:cxnLst/>
-            <a:rect r="r" b="b" t="t" l="l"/>
+            <a:rect l="l" t="t" r="r" b="b"/>
             <a:pathLst>
-              <a:path h="547689" w="1688707">
+              <a:path w="1688707" h="547689">
                 <a:moveTo>
                   <a:pt x="0" y="0"/>
                 </a:moveTo>
@@ -7767,19 +8186,26 @@
           <a:blipFill>
             <a:blip r:embed="rId2"/>
             <a:stretch>
-              <a:fillRect l="0" t="-141" r="0" b="-141"/>
+              <a:fillRect t="-141" b="-141"/>
             </a:stretch>
           </a:blipFill>
         </p:spPr>
+        <p:txBody>
+          <a:bodyPr/>
+          <a:lstStyle/>
+          <a:p>
+            <a:endParaRPr lang="en-US"/>
+          </a:p>
+        </p:txBody>
       </p:sp>
       <p:grpSp>
         <p:nvGrpSpPr>
-          <p:cNvPr name="Group 9" id="9"/>
+          <p:cNvPr id="9" name="Group 9"/>
           <p:cNvGrpSpPr/>
           <p:nvPr/>
         </p:nvGrpSpPr>
         <p:grpSpPr>
-          <a:xfrm rot="0">
+          <a:xfrm>
             <a:off x="871788" y="1053234"/>
             <a:ext cx="16544424" cy="795444"/>
             <a:chOff x="0" y="0"/>
@@ -7788,12 +8214,12 @@
         </p:grpSpPr>
         <p:sp>
           <p:nvSpPr>
-            <p:cNvPr name="Freeform 10" id="10"/>
+            <p:cNvPr id="10" name="Freeform 10"/>
             <p:cNvSpPr/>
             <p:nvPr/>
           </p:nvSpPr>
           <p:spPr>
-            <a:xfrm flipH="false" flipV="false" rot="0">
+            <a:xfrm>
               <a:off x="0" y="0"/>
               <a:ext cx="22059232" cy="1060592"/>
             </a:xfrm>
@@ -7802,9 +8228,9 @@
               <a:gdLst/>
               <a:ahLst/>
               <a:cxnLst/>
-              <a:rect r="r" b="b" t="t" l="l"/>
+              <a:rect l="l" t="t" r="r" b="b"/>
               <a:pathLst>
-                <a:path h="1060592" w="22059232">
+                <a:path w="22059232" h="1060592">
                   <a:moveTo>
                     <a:pt x="0" y="0"/>
                   </a:moveTo>
@@ -7827,11 +8253,18 @@
               </a:srgbClr>
             </a:solidFill>
           </p:spPr>
+          <p:txBody>
+            <a:bodyPr/>
+            <a:lstStyle/>
+            <a:p>
+              <a:endParaRPr lang="en-US"/>
+            </a:p>
+          </p:txBody>
         </p:sp>
         <p:sp>
           <p:nvSpPr>
-            <p:cNvPr name="TextBox 11" id="11"/>
-            <p:cNvSpPr txBox="true"/>
+            <p:cNvPr id="11" name="TextBox 11"/>
+            <p:cNvSpPr txBox="1"/>
             <p:nvPr/>
           </p:nvSpPr>
           <p:spPr>
@@ -7844,7 +8277,7 @@
             </a:prstGeom>
           </p:spPr>
           <p:txBody>
-            <a:bodyPr anchor="b" rtlCol="false" tIns="0" lIns="0" bIns="0" rIns="0"/>
+            <a:bodyPr lIns="0" tIns="0" rIns="0" bIns="0" rtlCol="0" anchor="b"/>
             <a:lstStyle/>
             <a:p>
               <a:pPr algn="l">
@@ -7870,12 +8303,12 @@
       </p:grpSp>
       <p:grpSp>
         <p:nvGrpSpPr>
-          <p:cNvPr name="Group 12" id="12"/>
+          <p:cNvPr id="12" name="Group 12"/>
           <p:cNvGrpSpPr/>
           <p:nvPr/>
         </p:nvGrpSpPr>
         <p:grpSpPr>
-          <a:xfrm rot="0">
+          <a:xfrm>
             <a:off x="1248602" y="1848678"/>
             <a:ext cx="16544422" cy="7009986"/>
             <a:chOff x="0" y="0"/>
@@ -7884,12 +8317,12 @@
         </p:grpSpPr>
         <p:sp>
           <p:nvSpPr>
-            <p:cNvPr name="Freeform 13" id="13"/>
+            <p:cNvPr id="13" name="Freeform 13"/>
             <p:cNvSpPr/>
             <p:nvPr/>
           </p:nvSpPr>
           <p:spPr>
-            <a:xfrm flipH="false" flipV="false" rot="0">
+            <a:xfrm>
               <a:off x="0" y="0"/>
               <a:ext cx="22059230" cy="9346648"/>
             </a:xfrm>
@@ -7898,9 +8331,9 @@
               <a:gdLst/>
               <a:ahLst/>
               <a:cxnLst/>
-              <a:rect r="r" b="b" t="t" l="l"/>
+              <a:rect l="l" t="t" r="r" b="b"/>
               <a:pathLst>
-                <a:path h="9346648" w="22059230">
+                <a:path w="22059230" h="9346648">
                   <a:moveTo>
                     <a:pt x="0" y="0"/>
                   </a:moveTo>
@@ -7923,11 +8356,18 @@
               </a:srgbClr>
             </a:solidFill>
           </p:spPr>
+          <p:txBody>
+            <a:bodyPr/>
+            <a:lstStyle/>
+            <a:p>
+              <a:endParaRPr lang="en-US"/>
+            </a:p>
+          </p:txBody>
         </p:sp>
         <p:sp>
           <p:nvSpPr>
-            <p:cNvPr name="TextBox 14" id="14"/>
-            <p:cNvSpPr txBox="true"/>
+            <p:cNvPr id="14" name="TextBox 14"/>
+            <p:cNvSpPr txBox="1"/>
             <p:nvPr/>
           </p:nvSpPr>
           <p:spPr>
@@ -7940,10 +8380,10 @@
             </a:prstGeom>
           </p:spPr>
           <p:txBody>
-            <a:bodyPr anchor="ctr" rtlCol="false" tIns="0" lIns="0" bIns="0" rIns="0"/>
+            <a:bodyPr lIns="0" tIns="0" rIns="0" bIns="0" rtlCol="0" anchor="ctr"/>
             <a:lstStyle/>
             <a:p>
-              <a:pPr algn="l" marL="651510" indent="-325755" lvl="1">
+              <a:pPr marL="651510" lvl="1" indent="-325755" algn="l">
                 <a:lnSpc>
                   <a:spcPts val="4752"/>
                 </a:lnSpc>
@@ -7963,7 +8403,7 @@
                 <a:t>This </a:t>
               </a:r>
               <a:r>
-                <a:rPr lang="en-US" b="true" sz="3600">
+                <a:rPr lang="en-US" sz="3600" b="1">
                   <a:solidFill>
                     <a:srgbClr val="404040"/>
                   </a:solidFill>
@@ -7987,7 +8427,7 @@
                 <a:t> project provides a simple yet powerful way to hide and retrieve secret messages within images. With features like </a:t>
               </a:r>
               <a:r>
-                <a:rPr lang="en-US" b="true" sz="3600">
+                <a:rPr lang="en-US" sz="3600" b="1">
                   <a:solidFill>
                     <a:srgbClr val="404040"/>
                   </a:solidFill>
@@ -8011,7 +8451,7 @@
                 <a:t>, </a:t>
               </a:r>
               <a:r>
-                <a:rPr lang="en-US" b="true" sz="3600">
+                <a:rPr lang="en-US" sz="3600" b="1">
                   <a:solidFill>
                     <a:srgbClr val="404040"/>
                   </a:solidFill>
@@ -8035,7 +8475,7 @@
                 <a:t>, and an easy-to-use </a:t>
               </a:r>
               <a:r>
-                <a:rPr lang="en-US" b="true" sz="3600">
+                <a:rPr lang="en-US" sz="3600" b="1">
                   <a:solidFill>
                     <a:srgbClr val="404040"/>
                   </a:solidFill>
@@ -8060,7 +8500,7 @@
               </a:r>
             </a:p>
             <a:p>
-              <a:pPr algn="l" marL="651510" indent="-325755" lvl="1">
+              <a:pPr marL="651510" lvl="1" indent="-325755" algn="l">
                 <a:lnSpc>
                   <a:spcPts val="4752"/>
                 </a:lnSpc>
@@ -8080,7 +8520,7 @@
                 <a:t>This project is useful for </a:t>
               </a:r>
               <a:r>
-                <a:rPr lang="en-US" b="true" sz="3600">
+                <a:rPr lang="en-US" sz="3600" b="1">
                   <a:solidFill>
                     <a:srgbClr val="404040"/>
                   </a:solidFill>
@@ -8104,7 +8544,7 @@
                 <a:t> who want to explore </a:t>
               </a:r>
               <a:r>
-                <a:rPr lang="en-US" b="true" sz="3600">
+                <a:rPr lang="en-US" sz="3600" b="1">
                   <a:solidFill>
                     <a:srgbClr val="404040"/>
                   </a:solidFill>
@@ -8129,11 +8569,20 @@
               </a:r>
             </a:p>
             <a:p>
-              <a:pPr algn="l" marL="651510" indent="-325755" lvl="1">
+              <a:pPr marL="651510" lvl="1" indent="-325755" algn="l">
                 <a:lnSpc>
                   <a:spcPts val="4752"/>
                 </a:lnSpc>
               </a:pPr>
+              <a:endParaRPr lang="en-US" sz="3600">
+                <a:solidFill>
+                  <a:srgbClr val="404040"/>
+                </a:solidFill>
+                <a:latin typeface="ITC Franklin Gothic LT"/>
+                <a:ea typeface="ITC Franklin Gothic LT"/>
+                <a:cs typeface="ITC Franklin Gothic LT"/>
+                <a:sym typeface="ITC Franklin Gothic LT"/>
+              </a:endParaRPr>
             </a:p>
           </p:txBody>
         </p:sp>
@@ -8147,7 +8596,7 @@
 </file>
 
 <file path=ppt/slides/slide9.xml><?xml version="1.0" encoding="utf-8"?>
-<p:sld xmlns:p="http://schemas.openxmlformats.org/presentationml/2006/main" xmlns:a="http://schemas.openxmlformats.org/drawingml/2006/main" xmlns:r="http://schemas.openxmlformats.org/officeDocument/2006/relationships">
+<p:sld xmlns:a="http://schemas.openxmlformats.org/drawingml/2006/main" xmlns:r="http://schemas.openxmlformats.org/officeDocument/2006/relationships" xmlns:p="http://schemas.openxmlformats.org/presentationml/2006/main">
   <p:cSld>
     <p:spTree>
       <p:nvGrpSpPr>
@@ -8165,12 +8614,12 @@
       </p:grpSpPr>
       <p:grpSp>
         <p:nvGrpSpPr>
-          <p:cNvPr name="Group 2" id="2"/>
+          <p:cNvPr id="2" name="Group 2"/>
           <p:cNvGrpSpPr/>
           <p:nvPr/>
         </p:nvGrpSpPr>
         <p:grpSpPr>
-          <a:xfrm rot="0">
+          <a:xfrm>
             <a:off x="669801" y="685800"/>
             <a:ext cx="5554980" cy="142496"/>
             <a:chOff x="0" y="0"/>
@@ -8179,12 +8628,12 @@
         </p:grpSpPr>
         <p:sp>
           <p:nvSpPr>
-            <p:cNvPr name="Freeform 3" id="3"/>
+            <p:cNvPr id="3" name="Freeform 3"/>
             <p:cNvSpPr/>
             <p:nvPr/>
           </p:nvSpPr>
           <p:spPr>
-            <a:xfrm flipH="false" flipV="false" rot="0">
+            <a:xfrm>
               <a:off x="0" y="0"/>
               <a:ext cx="7406640" cy="189992"/>
             </a:xfrm>
@@ -8193,9 +8642,9 @@
               <a:gdLst/>
               <a:ahLst/>
               <a:cxnLst/>
-              <a:rect r="r" b="b" t="t" l="l"/>
+              <a:rect l="l" t="t" r="r" b="b"/>
               <a:pathLst>
-                <a:path h="189992" w="7406640">
+                <a:path w="7406640" h="189992">
                   <a:moveTo>
                     <a:pt x="0" y="0"/>
                   </a:moveTo>
@@ -8216,16 +8665,23 @@
               <a:srgbClr val="465359"/>
             </a:solidFill>
           </p:spPr>
+          <p:txBody>
+            <a:bodyPr/>
+            <a:lstStyle/>
+            <a:p>
+              <a:endParaRPr lang="en-US"/>
+            </a:p>
+          </p:txBody>
         </p:sp>
       </p:grpSp>
       <p:grpSp>
         <p:nvGrpSpPr>
-          <p:cNvPr name="Group 4" id="4"/>
+          <p:cNvPr id="4" name="Group 4"/>
           <p:cNvGrpSpPr/>
           <p:nvPr/>
         </p:nvGrpSpPr>
         <p:grpSpPr>
-          <a:xfrm rot="0">
+          <a:xfrm>
             <a:off x="12063220" y="680464"/>
             <a:ext cx="5554980" cy="147831"/>
             <a:chOff x="0" y="0"/>
@@ -8234,12 +8690,12 @@
         </p:grpSpPr>
         <p:sp>
           <p:nvSpPr>
-            <p:cNvPr name="Freeform 5" id="5"/>
+            <p:cNvPr id="5" name="Freeform 5"/>
             <p:cNvSpPr/>
             <p:nvPr/>
           </p:nvSpPr>
           <p:spPr>
-            <a:xfrm flipH="false" flipV="false" rot="0">
+            <a:xfrm>
               <a:off x="0" y="0"/>
               <a:ext cx="7406640" cy="197104"/>
             </a:xfrm>
@@ -8248,9 +8704,9 @@
               <a:gdLst/>
               <a:ahLst/>
               <a:cxnLst/>
-              <a:rect r="r" b="b" t="t" l="l"/>
+              <a:rect l="l" t="t" r="r" b="b"/>
               <a:pathLst>
-                <a:path h="197104" w="7406640">
+                <a:path w="7406640" h="197104">
                   <a:moveTo>
                     <a:pt x="0" y="0"/>
                   </a:moveTo>
@@ -8271,16 +8727,23 @@
               <a:srgbClr val="969FA7"/>
             </a:solidFill>
           </p:spPr>
+          <p:txBody>
+            <a:bodyPr/>
+            <a:lstStyle/>
+            <a:p>
+              <a:endParaRPr lang="en-US"/>
+            </a:p>
+          </p:txBody>
         </p:sp>
       </p:grpSp>
       <p:grpSp>
         <p:nvGrpSpPr>
-          <p:cNvPr name="Group 6" id="6"/>
+          <p:cNvPr id="6" name="Group 6"/>
           <p:cNvGrpSpPr/>
           <p:nvPr/>
         </p:nvGrpSpPr>
         <p:grpSpPr>
-          <a:xfrm rot="0">
+          <a:xfrm>
             <a:off x="6362745" y="685800"/>
             <a:ext cx="5554980" cy="137160"/>
             <a:chOff x="0" y="0"/>
@@ -8289,12 +8752,12 @@
         </p:grpSpPr>
         <p:sp>
           <p:nvSpPr>
-            <p:cNvPr name="Freeform 7" id="7"/>
+            <p:cNvPr id="7" name="Freeform 7"/>
             <p:cNvSpPr/>
             <p:nvPr/>
           </p:nvSpPr>
           <p:spPr>
-            <a:xfrm flipH="false" flipV="false" rot="0">
+            <a:xfrm>
               <a:off x="0" y="0"/>
               <a:ext cx="7406640" cy="182880"/>
             </a:xfrm>
@@ -8303,9 +8766,9 @@
               <a:gdLst/>
               <a:ahLst/>
               <a:cxnLst/>
-              <a:rect r="r" b="b" t="t" l="l"/>
+              <a:rect l="l" t="t" r="r" b="b"/>
               <a:pathLst>
-                <a:path h="182880" w="7406640">
+                <a:path w="7406640" h="182880">
                   <a:moveTo>
                     <a:pt x="0" y="0"/>
                   </a:moveTo>
@@ -8326,16 +8789,23 @@
               <a:srgbClr val="1CADE4"/>
             </a:solidFill>
           </p:spPr>
+          <p:txBody>
+            <a:bodyPr/>
+            <a:lstStyle/>
+            <a:p>
+              <a:endParaRPr lang="en-US"/>
+            </a:p>
+          </p:txBody>
         </p:sp>
       </p:grpSp>
       <p:sp>
         <p:nvSpPr>
-          <p:cNvPr name="Freeform 8" id="8" descr="Logo  Description automatically generated"/>
+          <p:cNvPr id="8" name="Freeform 8" descr="Logo  Description automatically generated"/>
           <p:cNvSpPr/>
           <p:nvPr/>
         </p:nvSpPr>
         <p:spPr>
-          <a:xfrm flipH="false" flipV="false" rot="0">
+          <a:xfrm>
             <a:off x="15727505" y="9656865"/>
             <a:ext cx="1688707" cy="547689"/>
           </a:xfrm>
@@ -8344,9 +8814,9 @@
             <a:gdLst/>
             <a:ahLst/>
             <a:cxnLst/>
-            <a:rect r="r" b="b" t="t" l="l"/>
+            <a:rect l="l" t="t" r="r" b="b"/>
             <a:pathLst>
-              <a:path h="547689" w="1688707">
+              <a:path w="1688707" h="547689">
                 <a:moveTo>
                   <a:pt x="0" y="0"/>
                 </a:moveTo>
@@ -8369,19 +8839,26 @@
           <a:blipFill>
             <a:blip r:embed="rId2"/>
             <a:stretch>
-              <a:fillRect l="0" t="-141" r="0" b="-141"/>
+              <a:fillRect t="-141" b="-141"/>
             </a:stretch>
           </a:blipFill>
         </p:spPr>
+        <p:txBody>
+          <a:bodyPr/>
+          <a:lstStyle/>
+          <a:p>
+            <a:endParaRPr lang="en-US"/>
+          </a:p>
+        </p:txBody>
       </p:sp>
       <p:grpSp>
         <p:nvGrpSpPr>
-          <p:cNvPr name="Group 9" id="9"/>
+          <p:cNvPr id="9" name="Group 9"/>
           <p:cNvGrpSpPr/>
           <p:nvPr/>
         </p:nvGrpSpPr>
         <p:grpSpPr>
-          <a:xfrm rot="0">
+          <a:xfrm>
             <a:off x="871788" y="1053234"/>
             <a:ext cx="16544424" cy="795444"/>
             <a:chOff x="0" y="0"/>
@@ -8390,12 +8867,12 @@
         </p:grpSpPr>
         <p:sp>
           <p:nvSpPr>
-            <p:cNvPr name="Freeform 10" id="10"/>
+            <p:cNvPr id="10" name="Freeform 10"/>
             <p:cNvSpPr/>
             <p:nvPr/>
           </p:nvSpPr>
           <p:spPr>
-            <a:xfrm flipH="false" flipV="false" rot="0">
+            <a:xfrm>
               <a:off x="0" y="0"/>
               <a:ext cx="22059232" cy="1060592"/>
             </a:xfrm>
@@ -8404,9 +8881,9 @@
               <a:gdLst/>
               <a:ahLst/>
               <a:cxnLst/>
-              <a:rect r="r" b="b" t="t" l="l"/>
+              <a:rect l="l" t="t" r="r" b="b"/>
               <a:pathLst>
-                <a:path h="1060592" w="22059232">
+                <a:path w="22059232" h="1060592">
                   <a:moveTo>
                     <a:pt x="0" y="0"/>
                   </a:moveTo>
@@ -8429,11 +8906,18 @@
               </a:srgbClr>
             </a:solidFill>
           </p:spPr>
+          <p:txBody>
+            <a:bodyPr/>
+            <a:lstStyle/>
+            <a:p>
+              <a:endParaRPr lang="en-US"/>
+            </a:p>
+          </p:txBody>
         </p:sp>
         <p:sp>
           <p:nvSpPr>
-            <p:cNvPr name="TextBox 11" id="11"/>
-            <p:cNvSpPr txBox="true"/>
+            <p:cNvPr id="11" name="TextBox 11"/>
+            <p:cNvSpPr txBox="1"/>
             <p:nvPr/>
           </p:nvSpPr>
           <p:spPr>
@@ -8446,7 +8930,7 @@
             </a:prstGeom>
           </p:spPr>
           <p:txBody>
-            <a:bodyPr anchor="b" rtlCol="false" tIns="0" lIns="0" bIns="0" rIns="0"/>
+            <a:bodyPr lIns="0" tIns="0" rIns="0" bIns="0" rtlCol="0" anchor="b"/>
             <a:lstStyle/>
             <a:p>
               <a:pPr algn="ctr">
@@ -8455,7 +8939,7 @@
                 </a:lnSpc>
               </a:pPr>
               <a:r>
-                <a:rPr lang="en-US" sz="4200" b="true">
+                <a:rPr lang="en-US" sz="4200" b="1">
                   <a:solidFill>
                     <a:srgbClr val="1CADE4"/>
                   </a:solidFill>
@@ -8472,12 +8956,12 @@
       </p:grpSp>
       <p:grpSp>
         <p:nvGrpSpPr>
-          <p:cNvPr name="Group 12" id="12"/>
+          <p:cNvPr id="12" name="Group 12"/>
           <p:cNvGrpSpPr/>
           <p:nvPr/>
         </p:nvGrpSpPr>
         <p:grpSpPr>
-          <a:xfrm rot="0">
+          <a:xfrm>
             <a:off x="871788" y="1450956"/>
             <a:ext cx="17267904" cy="7009986"/>
             <a:chOff x="0" y="0"/>
@@ -8486,12 +8970,12 @@
         </p:grpSpPr>
         <p:sp>
           <p:nvSpPr>
-            <p:cNvPr name="Freeform 13" id="13"/>
+            <p:cNvPr id="13" name="Freeform 13"/>
             <p:cNvSpPr/>
             <p:nvPr/>
           </p:nvSpPr>
           <p:spPr>
-            <a:xfrm flipH="false" flipV="false" rot="0">
+            <a:xfrm>
               <a:off x="0" y="0"/>
               <a:ext cx="23023872" cy="9346648"/>
             </a:xfrm>
@@ -8500,9 +8984,9 @@
               <a:gdLst/>
               <a:ahLst/>
               <a:cxnLst/>
-              <a:rect r="r" b="b" t="t" l="l"/>
+              <a:rect l="l" t="t" r="r" b="b"/>
               <a:pathLst>
-                <a:path h="9346648" w="23023872">
+                <a:path w="23023872" h="9346648">
                   <a:moveTo>
                     <a:pt x="0" y="0"/>
                   </a:moveTo>
@@ -8525,11 +9009,18 @@
               </a:srgbClr>
             </a:solidFill>
           </p:spPr>
+          <p:txBody>
+            <a:bodyPr/>
+            <a:lstStyle/>
+            <a:p>
+              <a:endParaRPr lang="en-US"/>
+            </a:p>
+          </p:txBody>
         </p:sp>
         <p:sp>
           <p:nvSpPr>
-            <p:cNvPr name="TextBox 14" id="14"/>
-            <p:cNvSpPr txBox="true"/>
+            <p:cNvPr id="14" name="TextBox 14"/>
+            <p:cNvSpPr txBox="1"/>
             <p:nvPr/>
           </p:nvSpPr>
           <p:spPr>
@@ -8542,10 +9033,10 @@
             </a:prstGeom>
           </p:spPr>
           <p:txBody>
-            <a:bodyPr anchor="ctr" rtlCol="false" tIns="0" lIns="0" bIns="0" rIns="0"/>
+            <a:bodyPr lIns="0" tIns="0" rIns="0" bIns="0" rtlCol="0" anchor="ctr"/>
             <a:lstStyle/>
             <a:p>
-              <a:pPr algn="l" marL="868680" indent="-434340" lvl="1">
+              <a:pPr marL="868680" lvl="1" indent="-434340" algn="l">
                 <a:lnSpc>
                   <a:spcPts val="6336"/>
                 </a:lnSpc>
@@ -8553,7 +9044,7 @@
                 <a:buChar char="•"/>
               </a:pPr>
               <a:r>
-                <a:rPr lang="en-US" b="true" sz="4800">
+                <a:rPr lang="en-US" sz="4800" b="1" dirty="0">
                   <a:solidFill>
                     <a:srgbClr val="404040"/>
                   </a:solidFill>
@@ -8566,7 +9057,7 @@
               </a:r>
             </a:p>
             <a:p>
-              <a:pPr algn="l" marL="868680" indent="-434340" lvl="1">
+              <a:pPr marL="868680" lvl="1" indent="-434340" algn="l">
                 <a:lnSpc>
                   <a:spcPts val="6336"/>
                 </a:lnSpc>
@@ -8574,7 +9065,7 @@
                 <a:buChar char="•"/>
               </a:pPr>
               <a:r>
-                <a:rPr lang="en-US" b="true" sz="4800">
+                <a:rPr lang="en-US" sz="4800" b="1" dirty="0" err="1">
                   <a:solidFill>
                     <a:srgbClr val="404040"/>
                   </a:solidFill>
@@ -8586,7 +9077,7 @@
                 <a:t>GitHub:</a:t>
               </a:r>
               <a:r>
-                <a:rPr lang="en-US" sz="4800" u="sng">
+                <a:rPr lang="en-US" sz="4800" u="sng" dirty="0" err="1">
                   <a:solidFill>
                     <a:srgbClr val="404040"/>
                   </a:solidFill>
@@ -8594,9 +9085,32 @@
                   <a:ea typeface="ITC Franklin Gothic LT"/>
                   <a:cs typeface="ITC Franklin Gothic LT"/>
                   <a:sym typeface="ITC Franklin Gothic LT"/>
+                  <a:hlinkClick r:id="rId3"/>
                 </a:rPr>
-                <a:t>https://github.com/alwin905/Steganography-Tool.git</a:t>
+                <a:t>https</a:t>
               </a:r>
+              <a:r>
+                <a:rPr lang="en-US" sz="4800" u="sng" dirty="0">
+                  <a:solidFill>
+                    <a:srgbClr val="404040"/>
+                  </a:solidFill>
+                  <a:latin typeface="ITC Franklin Gothic LT"/>
+                  <a:ea typeface="ITC Franklin Gothic LT"/>
+                  <a:cs typeface="ITC Franklin Gothic LT"/>
+                  <a:sym typeface="ITC Franklin Gothic LT"/>
+                  <a:hlinkClick r:id="rId3"/>
+                </a:rPr>
+                <a:t>://github.com/alwin905/Steganography-Tool.git</a:t>
+              </a:r>
+              <a:endParaRPr lang="en-US" sz="4800" u="sng" dirty="0">
+                <a:solidFill>
+                  <a:srgbClr val="404040"/>
+                </a:solidFill>
+                <a:latin typeface="ITC Franklin Gothic LT"/>
+                <a:ea typeface="ITC Franklin Gothic LT"/>
+                <a:cs typeface="ITC Franklin Gothic LT"/>
+                <a:sym typeface="ITC Franklin Gothic LT"/>
+              </a:endParaRPr>
             </a:p>
           </p:txBody>
         </p:sp>
